--- a/img/pin_map_2040.pptx
+++ b/img/pin_map_2040.pptx
@@ -7,6 +7,8 @@
   <p:sldIdLst>
     <p:sldId id="259" r:id="rId2"/>
     <p:sldId id="261" r:id="rId3"/>
+    <p:sldId id="263" r:id="rId4"/>
+    <p:sldId id="264" r:id="rId5"/>
   </p:sldIdLst>
   <p:sldSz cx="12192000" cy="6858000"/>
   <p:notesSz cx="6858000" cy="9144000"/>
@@ -274,7 +276,7 @@
           <a:p>
             <a:fld id="{6BAEC7DB-416E-4648-AE31-15D6F0A9A9FB}" type="datetimeFigureOut">
               <a:rPr lang="en-US" smtClean="0"/>
-              <a:t>9/3/2018</a:t>
+              <a:t>9/29/2018</a:t>
             </a:fld>
             <a:endParaRPr lang="en-US"/>
           </a:p>
@@ -474,7 +476,7 @@
           <a:p>
             <a:fld id="{6BAEC7DB-416E-4648-AE31-15D6F0A9A9FB}" type="datetimeFigureOut">
               <a:rPr lang="en-US" smtClean="0"/>
-              <a:t>9/3/2018</a:t>
+              <a:t>9/29/2018</a:t>
             </a:fld>
             <a:endParaRPr lang="en-US"/>
           </a:p>
@@ -684,7 +686,7 @@
           <a:p>
             <a:fld id="{6BAEC7DB-416E-4648-AE31-15D6F0A9A9FB}" type="datetimeFigureOut">
               <a:rPr lang="en-US" smtClean="0"/>
-              <a:t>9/3/2018</a:t>
+              <a:t>9/29/2018</a:t>
             </a:fld>
             <a:endParaRPr lang="en-US"/>
           </a:p>
@@ -884,7 +886,7 @@
           <a:p>
             <a:fld id="{6BAEC7DB-416E-4648-AE31-15D6F0A9A9FB}" type="datetimeFigureOut">
               <a:rPr lang="en-US" smtClean="0"/>
-              <a:t>9/3/2018</a:t>
+              <a:t>9/29/2018</a:t>
             </a:fld>
             <a:endParaRPr lang="en-US"/>
           </a:p>
@@ -1160,7 +1162,7 @@
           <a:p>
             <a:fld id="{6BAEC7DB-416E-4648-AE31-15D6F0A9A9FB}" type="datetimeFigureOut">
               <a:rPr lang="en-US" smtClean="0"/>
-              <a:t>9/3/2018</a:t>
+              <a:t>9/29/2018</a:t>
             </a:fld>
             <a:endParaRPr lang="en-US"/>
           </a:p>
@@ -1428,7 +1430,7 @@
           <a:p>
             <a:fld id="{6BAEC7DB-416E-4648-AE31-15D6F0A9A9FB}" type="datetimeFigureOut">
               <a:rPr lang="en-US" smtClean="0"/>
-              <a:t>9/3/2018</a:t>
+              <a:t>9/29/2018</a:t>
             </a:fld>
             <a:endParaRPr lang="en-US"/>
           </a:p>
@@ -1843,7 +1845,7 @@
           <a:p>
             <a:fld id="{6BAEC7DB-416E-4648-AE31-15D6F0A9A9FB}" type="datetimeFigureOut">
               <a:rPr lang="en-US" smtClean="0"/>
-              <a:t>9/3/2018</a:t>
+              <a:t>9/29/2018</a:t>
             </a:fld>
             <a:endParaRPr lang="en-US"/>
           </a:p>
@@ -1985,7 +1987,7 @@
           <a:p>
             <a:fld id="{6BAEC7DB-416E-4648-AE31-15D6F0A9A9FB}" type="datetimeFigureOut">
               <a:rPr lang="en-US" smtClean="0"/>
-              <a:t>9/3/2018</a:t>
+              <a:t>9/29/2018</a:t>
             </a:fld>
             <a:endParaRPr lang="en-US"/>
           </a:p>
@@ -2098,7 +2100,7 @@
           <a:p>
             <a:fld id="{6BAEC7DB-416E-4648-AE31-15D6F0A9A9FB}" type="datetimeFigureOut">
               <a:rPr lang="en-US" smtClean="0"/>
-              <a:t>9/3/2018</a:t>
+              <a:t>9/29/2018</a:t>
             </a:fld>
             <a:endParaRPr lang="en-US"/>
           </a:p>
@@ -2411,7 +2413,7 @@
           <a:p>
             <a:fld id="{6BAEC7DB-416E-4648-AE31-15D6F0A9A9FB}" type="datetimeFigureOut">
               <a:rPr lang="en-US" smtClean="0"/>
-              <a:t>9/3/2018</a:t>
+              <a:t>9/29/2018</a:t>
             </a:fld>
             <a:endParaRPr lang="en-US"/>
           </a:p>
@@ -2700,7 +2702,7 @@
           <a:p>
             <a:fld id="{6BAEC7DB-416E-4648-AE31-15D6F0A9A9FB}" type="datetimeFigureOut">
               <a:rPr lang="en-US" smtClean="0"/>
-              <a:t>9/3/2018</a:t>
+              <a:t>9/29/2018</a:t>
             </a:fld>
             <a:endParaRPr lang="en-US"/>
           </a:p>
@@ -2943,7 +2945,7 @@
           <a:p>
             <a:fld id="{6BAEC7DB-416E-4648-AE31-15D6F0A9A9FB}" type="datetimeFigureOut">
               <a:rPr lang="en-US" smtClean="0"/>
-              <a:t>9/3/2018</a:t>
+              <a:t>9/29/2018</a:t>
             </a:fld>
             <a:endParaRPr lang="en-US"/>
           </a:p>
@@ -3738,7 +3740,31 @@
                 <a:ea typeface="Microsoft JhengHei Light" panose="020B0304030504040204" pitchFamily="34" charset="-120"/>
                 <a:cs typeface="Leelawadee UI" panose="020B0502040204020203" pitchFamily="34" charset="-34"/>
               </a:rPr>
-              <a:t>GND: connect this module </a:t>
+              <a:t>GND: </a:t>
+            </a:r>
+            <a:r>
+              <a:rPr lang="zh-CN" altLang="en-US" sz="1600">
+                <a:latin typeface="Leelawadee UI" panose="020B0502040204020203" pitchFamily="34" charset="-34"/>
+                <a:ea typeface="Microsoft JhengHei Light" panose="020B0304030504040204" pitchFamily="34" charset="-120"/>
+                <a:cs typeface="Leelawadee UI" panose="020B0502040204020203" pitchFamily="34" charset="-34"/>
+              </a:rPr>
+              <a:t>将此模块的 </a:t>
+            </a:r>
+            <a:r>
+              <a:rPr lang="en-US" sz="1600">
+                <a:latin typeface="Leelawadee UI" panose="020B0502040204020203" pitchFamily="34" charset="-34"/>
+                <a:ea typeface="Microsoft JhengHei Light" panose="020B0304030504040204" pitchFamily="34" charset="-120"/>
+                <a:cs typeface="Leelawadee UI" panose="020B0502040204020203" pitchFamily="34" charset="-34"/>
+              </a:rPr>
+              <a:t>GND </a:t>
+            </a:r>
+            <a:r>
+              <a:rPr lang="zh-CN" altLang="en-US" sz="1600">
+                <a:latin typeface="Leelawadee UI" panose="020B0502040204020203" pitchFamily="34" charset="-34"/>
+                <a:ea typeface="Microsoft JhengHei Light" panose="020B0304030504040204" pitchFamily="34" charset="-120"/>
+                <a:cs typeface="Leelawadee UI" panose="020B0502040204020203" pitchFamily="34" charset="-34"/>
+              </a:rPr>
+              <a:t>；连接到系统 </a:t>
             </a:r>
             <a:r>
               <a:rPr lang="en-US" altLang="zh-CN" sz="1600">
@@ -3746,7 +3772,7 @@
                 <a:ea typeface="Microsoft JhengHei Light" panose="020B0304030504040204" pitchFamily="34" charset="-120"/>
                 <a:cs typeface="Leelawadee UI" panose="020B0502040204020203" pitchFamily="34" charset="-34"/>
               </a:rPr>
-              <a:t>to</a:t>
+              <a:t>GND</a:t>
             </a:r>
             <a:r>
               <a:rPr lang="en-US" sz="1600">
@@ -3754,7 +3780,7 @@
                 <a:ea typeface="Microsoft JhengHei Light" panose="020B0304030504040204" pitchFamily="34" charset="-120"/>
                 <a:cs typeface="Leelawadee UI" panose="020B0502040204020203" pitchFamily="34" charset="-34"/>
               </a:rPr>
-              <a:t> the system GND </a:t>
+              <a:t> </a:t>
             </a:r>
           </a:p>
           <a:p>
@@ -6140,6 +6166,2989 @@
     <p:extLst>
       <p:ext uri="{BB962C8B-B14F-4D97-AF65-F5344CB8AC3E}">
         <p14:creationId xmlns:p14="http://schemas.microsoft.com/office/powerpoint/2010/main" val="2636590320"/>
+      </p:ext>
+    </p:extLst>
+  </p:cSld>
+  <p:clrMapOvr>
+    <a:masterClrMapping/>
+  </p:clrMapOvr>
+</p:sld>
+</file>
+
+<file path=ppt/slides/slide3.xml><?xml version="1.0" encoding="utf-8"?>
+<p:sld xmlns:a="http://schemas.openxmlformats.org/drawingml/2006/main" xmlns:r="http://schemas.openxmlformats.org/officeDocument/2006/relationships" xmlns:p="http://schemas.openxmlformats.org/presentationml/2006/main">
+  <p:cSld>
+    <p:spTree>
+      <p:nvGrpSpPr>
+        <p:cNvPr id="1" name=""/>
+        <p:cNvGrpSpPr/>
+        <p:nvPr/>
+      </p:nvGrpSpPr>
+      <p:grpSpPr>
+        <a:xfrm>
+          <a:off x="0" y="0"/>
+          <a:ext cx="0" cy="0"/>
+          <a:chOff x="0" y="0"/>
+          <a:chExt cx="0" cy="0"/>
+        </a:xfrm>
+      </p:grpSpPr>
+      <p:pic>
+        <p:nvPicPr>
+          <p:cNvPr id="6" name="图片 5">
+            <a:extLst>
+              <a:ext uri="{FF2B5EF4-FFF2-40B4-BE49-F238E27FC236}">
+                <a16:creationId xmlns:a16="http://schemas.microsoft.com/office/drawing/2014/main" id="{4983E63E-3E87-40AD-9BA7-94107119A2C4}"/>
+              </a:ext>
+            </a:extLst>
+          </p:cNvPr>
+          <p:cNvPicPr>
+            <a:picLocks noChangeAspect="1"/>
+          </p:cNvPicPr>
+          <p:nvPr/>
+        </p:nvPicPr>
+        <p:blipFill>
+          <a:blip r:embed="rId2">
+            <a:extLst>
+              <a:ext uri="{28A0092B-C50C-407E-A947-70E740481C1C}">
+                <a14:useLocalDpi xmlns:a14="http://schemas.microsoft.com/office/drawing/2010/main" val="0"/>
+              </a:ext>
+            </a:extLst>
+          </a:blip>
+          <a:stretch>
+            <a:fillRect/>
+          </a:stretch>
+        </p:blipFill>
+        <p:spPr>
+          <a:xfrm>
+            <a:off x="3496912" y="560479"/>
+            <a:ext cx="5334000" cy="4000500"/>
+          </a:xfrm>
+          <a:prstGeom prst="rect">
+            <a:avLst/>
+          </a:prstGeom>
+        </p:spPr>
+      </p:pic>
+      <p:grpSp>
+        <p:nvGrpSpPr>
+          <p:cNvPr id="11" name="组合 10">
+            <a:extLst>
+              <a:ext uri="{FF2B5EF4-FFF2-40B4-BE49-F238E27FC236}">
+                <a16:creationId xmlns:a16="http://schemas.microsoft.com/office/drawing/2014/main" id="{76E6D201-F918-44D3-8CF0-36E3D4607571}"/>
+              </a:ext>
+            </a:extLst>
+          </p:cNvPr>
+          <p:cNvGrpSpPr/>
+          <p:nvPr/>
+        </p:nvGrpSpPr>
+        <p:grpSpPr>
+          <a:xfrm>
+            <a:off x="3135221" y="2188632"/>
+            <a:ext cx="1055989" cy="701217"/>
+            <a:chOff x="3248156" y="1872948"/>
+            <a:chExt cx="1504697" cy="701217"/>
+          </a:xfrm>
+        </p:grpSpPr>
+        <p:cxnSp>
+          <p:nvCxnSpPr>
+            <p:cNvPr id="59" name="直接连接符 58">
+              <a:extLst>
+                <a:ext uri="{FF2B5EF4-FFF2-40B4-BE49-F238E27FC236}">
+                  <a16:creationId xmlns:a16="http://schemas.microsoft.com/office/drawing/2014/main" id="{554D8D14-D48D-45F6-89A6-634C964B8AE8}"/>
+                </a:ext>
+              </a:extLst>
+            </p:cNvPr>
+            <p:cNvCxnSpPr>
+              <a:cxnSpLocks/>
+            </p:cNvCxnSpPr>
+            <p:nvPr/>
+          </p:nvCxnSpPr>
+          <p:spPr>
+            <a:xfrm>
+              <a:off x="3655573" y="1872948"/>
+              <a:ext cx="1097280" cy="0"/>
+            </a:xfrm>
+            <a:prstGeom prst="line">
+              <a:avLst/>
+            </a:prstGeom>
+            <a:ln w="9525" cap="flat" cmpd="sng" algn="ctr">
+              <a:solidFill>
+                <a:schemeClr val="accent3"/>
+              </a:solidFill>
+              <a:prstDash val="dash"/>
+              <a:round/>
+              <a:headEnd type="none" w="med" len="med"/>
+              <a:tailEnd type="none" w="med" len="med"/>
+            </a:ln>
+          </p:spPr>
+          <p:style>
+            <a:lnRef idx="0">
+              <a:scrgbClr r="0" g="0" b="0"/>
+            </a:lnRef>
+            <a:fillRef idx="0">
+              <a:scrgbClr r="0" g="0" b="0"/>
+            </a:fillRef>
+            <a:effectRef idx="0">
+              <a:scrgbClr r="0" g="0" b="0"/>
+            </a:effectRef>
+            <a:fontRef idx="minor">
+              <a:schemeClr val="tx1"/>
+            </a:fontRef>
+          </p:style>
+        </p:cxnSp>
+        <p:cxnSp>
+          <p:nvCxnSpPr>
+            <p:cNvPr id="62" name="直接连接符 61">
+              <a:extLst>
+                <a:ext uri="{FF2B5EF4-FFF2-40B4-BE49-F238E27FC236}">
+                  <a16:creationId xmlns:a16="http://schemas.microsoft.com/office/drawing/2014/main" id="{71513585-2402-4773-B202-B5A94B9B4E68}"/>
+                </a:ext>
+              </a:extLst>
+            </p:cNvPr>
+            <p:cNvCxnSpPr>
+              <a:cxnSpLocks/>
+            </p:cNvCxnSpPr>
+            <p:nvPr/>
+          </p:nvCxnSpPr>
+          <p:spPr>
+            <a:xfrm>
+              <a:off x="3655573" y="2574165"/>
+              <a:ext cx="1097280" cy="0"/>
+            </a:xfrm>
+            <a:prstGeom prst="line">
+              <a:avLst/>
+            </a:prstGeom>
+            <a:ln w="9525" cap="flat" cmpd="sng" algn="ctr">
+              <a:solidFill>
+                <a:schemeClr val="accent3"/>
+              </a:solidFill>
+              <a:prstDash val="dash"/>
+              <a:round/>
+              <a:headEnd type="none" w="med" len="med"/>
+              <a:tailEnd type="none" w="med" len="med"/>
+            </a:ln>
+          </p:spPr>
+          <p:style>
+            <a:lnRef idx="0">
+              <a:scrgbClr r="0" g="0" b="0"/>
+            </a:lnRef>
+            <a:fillRef idx="0">
+              <a:scrgbClr r="0" g="0" b="0"/>
+            </a:fillRef>
+            <a:effectRef idx="0">
+              <a:scrgbClr r="0" g="0" b="0"/>
+            </a:effectRef>
+            <a:fontRef idx="minor">
+              <a:schemeClr val="tx1"/>
+            </a:fontRef>
+          </p:style>
+        </p:cxnSp>
+        <p:cxnSp>
+          <p:nvCxnSpPr>
+            <p:cNvPr id="64" name="直接连接符 63">
+              <a:extLst>
+                <a:ext uri="{FF2B5EF4-FFF2-40B4-BE49-F238E27FC236}">
+                  <a16:creationId xmlns:a16="http://schemas.microsoft.com/office/drawing/2014/main" id="{F11B205F-0707-4A55-ACA4-3B1022C2AD5E}"/>
+                </a:ext>
+              </a:extLst>
+            </p:cNvPr>
+            <p:cNvCxnSpPr>
+              <a:cxnSpLocks/>
+            </p:cNvCxnSpPr>
+            <p:nvPr/>
+          </p:nvCxnSpPr>
+          <p:spPr>
+            <a:xfrm flipV="1">
+              <a:off x="3248156" y="2343059"/>
+              <a:ext cx="1463040" cy="0"/>
+            </a:xfrm>
+            <a:prstGeom prst="line">
+              <a:avLst/>
+            </a:prstGeom>
+            <a:ln w="9525" cap="flat" cmpd="sng" algn="ctr">
+              <a:solidFill>
+                <a:schemeClr val="accent3"/>
+              </a:solidFill>
+              <a:prstDash val="dash"/>
+              <a:round/>
+              <a:headEnd type="none" w="med" len="med"/>
+              <a:tailEnd type="none" w="med" len="med"/>
+            </a:ln>
+          </p:spPr>
+          <p:style>
+            <a:lnRef idx="0">
+              <a:scrgbClr r="0" g="0" b="0"/>
+            </a:lnRef>
+            <a:fillRef idx="0">
+              <a:scrgbClr r="0" g="0" b="0"/>
+            </a:fillRef>
+            <a:effectRef idx="0">
+              <a:scrgbClr r="0" g="0" b="0"/>
+            </a:effectRef>
+            <a:fontRef idx="minor">
+              <a:schemeClr val="tx1"/>
+            </a:fontRef>
+          </p:style>
+        </p:cxnSp>
+        <p:cxnSp>
+          <p:nvCxnSpPr>
+            <p:cNvPr id="69" name="直接连接符 68">
+              <a:extLst>
+                <a:ext uri="{FF2B5EF4-FFF2-40B4-BE49-F238E27FC236}">
+                  <a16:creationId xmlns:a16="http://schemas.microsoft.com/office/drawing/2014/main" id="{C23963EC-181B-4C8C-91B5-30994438B94F}"/>
+                </a:ext>
+              </a:extLst>
+            </p:cNvPr>
+            <p:cNvCxnSpPr>
+              <a:cxnSpLocks/>
+            </p:cNvCxnSpPr>
+            <p:nvPr/>
+          </p:nvCxnSpPr>
+          <p:spPr>
+            <a:xfrm>
+              <a:off x="3253632" y="2101314"/>
+              <a:ext cx="1463040" cy="0"/>
+            </a:xfrm>
+            <a:prstGeom prst="line">
+              <a:avLst/>
+            </a:prstGeom>
+            <a:ln w="9525" cap="flat" cmpd="sng" algn="ctr">
+              <a:solidFill>
+                <a:schemeClr val="accent3"/>
+              </a:solidFill>
+              <a:prstDash val="dash"/>
+              <a:round/>
+              <a:headEnd type="none" w="med" len="med"/>
+              <a:tailEnd type="none" w="med" len="med"/>
+            </a:ln>
+          </p:spPr>
+          <p:style>
+            <a:lnRef idx="0">
+              <a:scrgbClr r="0" g="0" b="0"/>
+            </a:lnRef>
+            <a:fillRef idx="0">
+              <a:scrgbClr r="0" g="0" b="0"/>
+            </a:fillRef>
+            <a:effectRef idx="0">
+              <a:scrgbClr r="0" g="0" b="0"/>
+            </a:effectRef>
+            <a:fontRef idx="minor">
+              <a:schemeClr val="tx1"/>
+            </a:fontRef>
+          </p:style>
+        </p:cxnSp>
+      </p:grpSp>
+      <p:cxnSp>
+        <p:nvCxnSpPr>
+          <p:cNvPr id="83" name="直接连接符 82">
+            <a:extLst>
+              <a:ext uri="{FF2B5EF4-FFF2-40B4-BE49-F238E27FC236}">
+                <a16:creationId xmlns:a16="http://schemas.microsoft.com/office/drawing/2014/main" id="{2B1DA2A3-4ED3-4440-94B7-BBD22FB36479}"/>
+              </a:ext>
+            </a:extLst>
+          </p:cNvPr>
+          <p:cNvCxnSpPr>
+            <a:cxnSpLocks/>
+          </p:cNvCxnSpPr>
+          <p:nvPr/>
+        </p:nvCxnSpPr>
+        <p:spPr>
+          <a:xfrm flipH="1" flipV="1">
+            <a:off x="3140698" y="1950707"/>
+            <a:ext cx="280446" cy="237925"/>
+          </a:xfrm>
+          <a:prstGeom prst="line">
+            <a:avLst/>
+          </a:prstGeom>
+          <a:ln w="9525" cap="flat" cmpd="sng" algn="ctr">
+            <a:solidFill>
+              <a:schemeClr val="accent3"/>
+            </a:solidFill>
+            <a:prstDash val="dash"/>
+            <a:round/>
+            <a:headEnd type="none" w="med" len="med"/>
+            <a:tailEnd type="none" w="med" len="med"/>
+          </a:ln>
+        </p:spPr>
+        <p:style>
+          <a:lnRef idx="0">
+            <a:scrgbClr r="0" g="0" b="0"/>
+          </a:lnRef>
+          <a:fillRef idx="0">
+            <a:scrgbClr r="0" g="0" b="0"/>
+          </a:fillRef>
+          <a:effectRef idx="0">
+            <a:scrgbClr r="0" g="0" b="0"/>
+          </a:effectRef>
+          <a:fontRef idx="minor">
+            <a:schemeClr val="tx1"/>
+          </a:fontRef>
+        </p:style>
+      </p:cxnSp>
+      <p:cxnSp>
+        <p:nvCxnSpPr>
+          <p:cNvPr id="86" name="直接连接符 85">
+            <a:extLst>
+              <a:ext uri="{FF2B5EF4-FFF2-40B4-BE49-F238E27FC236}">
+                <a16:creationId xmlns:a16="http://schemas.microsoft.com/office/drawing/2014/main" id="{1DDB23F1-BC13-4F76-9BE4-AB93E1600A98}"/>
+              </a:ext>
+            </a:extLst>
+          </p:cNvPr>
+          <p:cNvCxnSpPr>
+            <a:cxnSpLocks/>
+          </p:cNvCxnSpPr>
+          <p:nvPr/>
+        </p:nvCxnSpPr>
+        <p:spPr>
+          <a:xfrm flipH="1">
+            <a:off x="3140697" y="2889849"/>
+            <a:ext cx="280447" cy="234636"/>
+          </a:xfrm>
+          <a:prstGeom prst="line">
+            <a:avLst/>
+          </a:prstGeom>
+          <a:ln w="9525" cap="flat" cmpd="sng" algn="ctr">
+            <a:solidFill>
+              <a:schemeClr val="accent3"/>
+            </a:solidFill>
+            <a:prstDash val="dash"/>
+            <a:round/>
+            <a:headEnd type="none" w="med" len="med"/>
+            <a:tailEnd type="none" w="med" len="med"/>
+          </a:ln>
+        </p:spPr>
+        <p:style>
+          <a:lnRef idx="0">
+            <a:scrgbClr r="0" g="0" b="0"/>
+          </a:lnRef>
+          <a:fillRef idx="0">
+            <a:scrgbClr r="0" g="0" b="0"/>
+          </a:fillRef>
+          <a:effectRef idx="0">
+            <a:scrgbClr r="0" g="0" b="0"/>
+          </a:effectRef>
+          <a:fontRef idx="minor">
+            <a:schemeClr val="tx1"/>
+          </a:fontRef>
+        </p:style>
+      </p:cxnSp>
+      <p:sp>
+        <p:nvSpPr>
+          <p:cNvPr id="5" name="文本框 4">
+            <a:extLst>
+              <a:ext uri="{FF2B5EF4-FFF2-40B4-BE49-F238E27FC236}">
+                <a16:creationId xmlns:a16="http://schemas.microsoft.com/office/drawing/2014/main" id="{D01C0A0C-C039-423C-A515-A9BDBADCF5E6}"/>
+              </a:ext>
+            </a:extLst>
+          </p:cNvPr>
+          <p:cNvSpPr txBox="1"/>
+          <p:nvPr/>
+        </p:nvSpPr>
+        <p:spPr>
+          <a:xfrm>
+            <a:off x="1929015" y="4548836"/>
+            <a:ext cx="4360881" cy="2205732"/>
+          </a:xfrm>
+          <a:prstGeom prst="rect">
+            <a:avLst/>
+          </a:prstGeom>
+          <a:noFill/>
+        </p:spPr>
+        <p:txBody>
+          <a:bodyPr wrap="square" rtlCol="0">
+            <a:spAutoFit/>
+          </a:bodyPr>
+          <a:lstStyle/>
+          <a:p>
+            <a:pPr>
+              <a:lnSpc>
+                <a:spcPts val="2500"/>
+              </a:lnSpc>
+            </a:pPr>
+            <a:r>
+              <a:rPr lang="en-US" sz="1600">
+                <a:latin typeface="Leelawadee UI" panose="020B0502040204020203" pitchFamily="34" charset="-34"/>
+                <a:ea typeface="Microsoft JhengHei Light" panose="020B0304030504040204" pitchFamily="34" charset="-120"/>
+                <a:cs typeface="Leelawadee UI" panose="020B0502040204020203" pitchFamily="34" charset="-34"/>
+              </a:rPr>
+              <a:t>GND: </a:t>
+            </a:r>
+            <a:r>
+              <a:rPr lang="zh-CN" altLang="en-US" sz="1600">
+                <a:latin typeface="华文楷体" panose="02010600040101010101" pitchFamily="2" charset="-122"/>
+                <a:ea typeface="华文楷体" panose="02010600040101010101" pitchFamily="2" charset="-122"/>
+                <a:cs typeface="Leelawadee UI" panose="020B0502040204020203" pitchFamily="34" charset="-34"/>
+              </a:rPr>
+              <a:t>将此模块的 </a:t>
+            </a:r>
+            <a:r>
+              <a:rPr lang="en-US" sz="1600">
+                <a:latin typeface="Leelawadee UI" panose="020B0502040204020203" pitchFamily="34" charset="-34"/>
+                <a:ea typeface="Microsoft JhengHei Light" panose="020B0304030504040204" pitchFamily="34" charset="-120"/>
+                <a:cs typeface="Leelawadee UI" panose="020B0502040204020203" pitchFamily="34" charset="-34"/>
+              </a:rPr>
+              <a:t>GND </a:t>
+            </a:r>
+            <a:r>
+              <a:rPr lang="zh-CN" altLang="en-US" sz="1600">
+                <a:latin typeface="华文楷体" panose="02010600040101010101" pitchFamily="2" charset="-122"/>
+                <a:ea typeface="华文楷体" panose="02010600040101010101" pitchFamily="2" charset="-122"/>
+                <a:cs typeface="Leelawadee UI" panose="020B0502040204020203" pitchFamily="34" charset="-34"/>
+              </a:rPr>
+              <a:t>连接到系统 </a:t>
+            </a:r>
+            <a:r>
+              <a:rPr lang="en-US" altLang="zh-CN" sz="1600">
+                <a:latin typeface="Leelawadee UI" panose="020B0502040204020203" pitchFamily="34" charset="-34"/>
+                <a:ea typeface="Microsoft JhengHei Light" panose="020B0304030504040204" pitchFamily="34" charset="-120"/>
+                <a:cs typeface="Leelawadee UI" panose="020B0502040204020203" pitchFamily="34" charset="-34"/>
+              </a:rPr>
+              <a:t>GND </a:t>
+            </a:r>
+            <a:r>
+              <a:rPr lang="zh-CN" altLang="en-US" sz="1600">
+                <a:latin typeface="华文楷体" panose="02010600040101010101" pitchFamily="2" charset="-122"/>
+                <a:ea typeface="华文楷体" panose="02010600040101010101" pitchFamily="2" charset="-122"/>
+                <a:cs typeface="Leelawadee UI" panose="020B0502040204020203" pitchFamily="34" charset="-34"/>
+              </a:rPr>
+              <a:t>上</a:t>
+            </a:r>
+            <a:r>
+              <a:rPr lang="en-US" sz="1600">
+                <a:latin typeface="华文楷体" panose="02010600040101010101" pitchFamily="2" charset="-122"/>
+                <a:ea typeface="华文楷体" panose="02010600040101010101" pitchFamily="2" charset="-122"/>
+                <a:cs typeface="Leelawadee UI" panose="020B0502040204020203" pitchFamily="34" charset="-34"/>
+              </a:rPr>
+              <a:t> </a:t>
+            </a:r>
+          </a:p>
+          <a:p>
+            <a:pPr>
+              <a:lnSpc>
+                <a:spcPts val="2500"/>
+              </a:lnSpc>
+            </a:pPr>
+            <a:r>
+              <a:rPr lang="en-US" sz="1600">
+                <a:latin typeface="Leelawadee UI" panose="020B0502040204020203" pitchFamily="34" charset="-34"/>
+                <a:ea typeface="Microsoft JhengHei Light" panose="020B0304030504040204" pitchFamily="34" charset="-120"/>
+                <a:cs typeface="Leelawadee UI" panose="020B0502040204020203" pitchFamily="34" charset="-34"/>
+              </a:rPr>
+              <a:t>VCC: </a:t>
+            </a:r>
+            <a:r>
+              <a:rPr lang="zh-CN" altLang="en-US" sz="1600">
+                <a:latin typeface="华文楷体" panose="02010600040101010101" pitchFamily="2" charset="-122"/>
+                <a:ea typeface="华文楷体" panose="02010600040101010101" pitchFamily="2" charset="-122"/>
+                <a:cs typeface="Leelawadee UI" panose="020B0502040204020203" pitchFamily="34" charset="-34"/>
+              </a:rPr>
+              <a:t>您可使用 </a:t>
+            </a:r>
+            <a:r>
+              <a:rPr lang="en-US" sz="1600">
+                <a:latin typeface="Leelawadee UI" panose="020B0502040204020203" pitchFamily="34" charset="-34"/>
+                <a:ea typeface="Microsoft JhengHei Light" panose="020B0304030504040204" pitchFamily="34" charset="-120"/>
+                <a:cs typeface="Leelawadee UI" panose="020B0502040204020203" pitchFamily="34" charset="-34"/>
+              </a:rPr>
+              <a:t>5V </a:t>
+            </a:r>
+            <a:r>
+              <a:rPr lang="zh-CN" altLang="en-US" sz="1600">
+                <a:latin typeface="华文楷体" panose="02010600040101010101" pitchFamily="2" charset="-122"/>
+                <a:ea typeface="华文楷体" panose="02010600040101010101" pitchFamily="2" charset="-122"/>
+                <a:cs typeface="Leelawadee UI" panose="020B0502040204020203" pitchFamily="34" charset="-34"/>
+              </a:rPr>
+              <a:t>或</a:t>
+            </a:r>
+            <a:r>
+              <a:rPr lang="en-US" sz="1600">
+                <a:latin typeface="Leelawadee UI" panose="020B0502040204020203" pitchFamily="34" charset="-34"/>
+                <a:ea typeface="Microsoft JhengHei Light" panose="020B0304030504040204" pitchFamily="34" charset="-120"/>
+                <a:cs typeface="Leelawadee UI" panose="020B0502040204020203" pitchFamily="34" charset="-34"/>
+              </a:rPr>
+              <a:t> 3.3V</a:t>
+            </a:r>
+          </a:p>
+          <a:p>
+            <a:pPr>
+              <a:lnSpc>
+                <a:spcPts val="2500"/>
+              </a:lnSpc>
+            </a:pPr>
+            <a:r>
+              <a:rPr lang="en-US" sz="1600">
+                <a:latin typeface="Leelawadee UI" panose="020B0502040204020203" pitchFamily="34" charset="-34"/>
+                <a:ea typeface="Microsoft JhengHei Light" panose="020B0304030504040204" pitchFamily="34" charset="-120"/>
+                <a:cs typeface="Leelawadee UI" panose="020B0502040204020203" pitchFamily="34" charset="-34"/>
+              </a:rPr>
+              <a:t>SDA: I</a:t>
+            </a:r>
+            <a:r>
+              <a:rPr lang="en-US" sz="1600" baseline="30000">
+                <a:latin typeface="Leelawadee UI" panose="020B0502040204020203" pitchFamily="34" charset="-34"/>
+                <a:ea typeface="Microsoft JhengHei Light" panose="020B0304030504040204" pitchFamily="34" charset="-120"/>
+                <a:cs typeface="Leelawadee UI" panose="020B0502040204020203" pitchFamily="34" charset="-34"/>
+              </a:rPr>
+              <a:t>2</a:t>
+            </a:r>
+            <a:r>
+              <a:rPr lang="en-US" sz="1600">
+                <a:latin typeface="Leelawadee UI" panose="020B0502040204020203" pitchFamily="34" charset="-34"/>
+                <a:ea typeface="Microsoft JhengHei Light" panose="020B0304030504040204" pitchFamily="34" charset="-120"/>
+                <a:cs typeface="Leelawadee UI" panose="020B0502040204020203" pitchFamily="34" charset="-34"/>
+              </a:rPr>
+              <a:t>C </a:t>
+            </a:r>
+            <a:r>
+              <a:rPr lang="zh-CN" altLang="en-US" sz="1600">
+                <a:latin typeface="华文楷体" panose="02010600040101010101" pitchFamily="2" charset="-122"/>
+                <a:ea typeface="华文楷体" panose="02010600040101010101" pitchFamily="2" charset="-122"/>
+                <a:cs typeface="Leelawadee UI" panose="020B0502040204020203" pitchFamily="34" charset="-34"/>
+              </a:rPr>
+              <a:t>串行数据</a:t>
+            </a:r>
+            <a:endParaRPr lang="en-US" altLang="zh-CN" sz="1600">
+              <a:latin typeface="华文楷体" panose="02010600040101010101" pitchFamily="2" charset="-122"/>
+              <a:ea typeface="华文楷体" panose="02010600040101010101" pitchFamily="2" charset="-122"/>
+              <a:cs typeface="Leelawadee UI" panose="020B0502040204020203" pitchFamily="34" charset="-34"/>
+            </a:endParaRPr>
+          </a:p>
+          <a:p>
+            <a:pPr>
+              <a:lnSpc>
+                <a:spcPts val="2500"/>
+              </a:lnSpc>
+            </a:pPr>
+            <a:r>
+              <a:rPr lang="en-US" sz="1600">
+                <a:latin typeface="Leelawadee UI" panose="020B0502040204020203" pitchFamily="34" charset="-34"/>
+                <a:ea typeface="Microsoft JhengHei Light" panose="020B0304030504040204" pitchFamily="34" charset="-120"/>
+                <a:cs typeface="Leelawadee UI" panose="020B0502040204020203" pitchFamily="34" charset="-34"/>
+              </a:rPr>
+              <a:t>SCL: I</a:t>
+            </a:r>
+            <a:r>
+              <a:rPr lang="en-US" sz="1600" baseline="30000">
+                <a:latin typeface="Leelawadee UI" panose="020B0502040204020203" pitchFamily="34" charset="-34"/>
+                <a:ea typeface="Microsoft JhengHei Light" panose="020B0304030504040204" pitchFamily="34" charset="-120"/>
+                <a:cs typeface="Leelawadee UI" panose="020B0502040204020203" pitchFamily="34" charset="-34"/>
+              </a:rPr>
+              <a:t>2</a:t>
+            </a:r>
+            <a:r>
+              <a:rPr lang="en-US" sz="1600">
+                <a:latin typeface="Leelawadee UI" panose="020B0502040204020203" pitchFamily="34" charset="-34"/>
+                <a:ea typeface="Microsoft JhengHei Light" panose="020B0304030504040204" pitchFamily="34" charset="-120"/>
+                <a:cs typeface="Leelawadee UI" panose="020B0502040204020203" pitchFamily="34" charset="-34"/>
+              </a:rPr>
+              <a:t>C </a:t>
+            </a:r>
+            <a:r>
+              <a:rPr lang="zh-CN" altLang="en-US" sz="1600">
+                <a:latin typeface="华文楷体" panose="02010600040101010101" pitchFamily="2" charset="-122"/>
+                <a:ea typeface="华文楷体" panose="02010600040101010101" pitchFamily="2" charset="-122"/>
+                <a:cs typeface="Leelawadee UI" panose="020B0502040204020203" pitchFamily="34" charset="-34"/>
+              </a:rPr>
+              <a:t>串行时钟</a:t>
+            </a:r>
+            <a:endParaRPr lang="en-US" sz="1600">
+              <a:latin typeface="华文楷体" panose="02010600040101010101" pitchFamily="2" charset="-122"/>
+              <a:ea typeface="华文楷体" panose="02010600040101010101" pitchFamily="2" charset="-122"/>
+              <a:cs typeface="Leelawadee UI" panose="020B0502040204020203" pitchFamily="34" charset="-34"/>
+            </a:endParaRPr>
+          </a:p>
+          <a:p>
+            <a:endParaRPr lang="en-US" sz="1200">
+              <a:solidFill>
+                <a:srgbClr val="D4D4D4"/>
+              </a:solidFill>
+              <a:latin typeface="Consolas" panose="020B0609020204030204" pitchFamily="49" charset="0"/>
+            </a:endParaRPr>
+          </a:p>
+          <a:p>
+            <a:endParaRPr lang="en-US" sz="1200">
+              <a:latin typeface="Times New Roman" panose="02020603050405020304" pitchFamily="18" charset="0"/>
+              <a:cs typeface="Times New Roman" panose="02020603050405020304" pitchFamily="18" charset="0"/>
+            </a:endParaRPr>
+          </a:p>
+          <a:p>
+            <a:endParaRPr lang="en-US" sz="1200">
+              <a:latin typeface="Times New Roman" panose="02020603050405020304" pitchFamily="18" charset="0"/>
+              <a:cs typeface="Times New Roman" panose="02020603050405020304" pitchFamily="18" charset="0"/>
+            </a:endParaRPr>
+          </a:p>
+          <a:p>
+            <a:endParaRPr lang="en-US"/>
+          </a:p>
+        </p:txBody>
+      </p:sp>
+      <p:grpSp>
+        <p:nvGrpSpPr>
+          <p:cNvPr id="22" name="组合 21">
+            <a:extLst>
+              <a:ext uri="{FF2B5EF4-FFF2-40B4-BE49-F238E27FC236}">
+                <a16:creationId xmlns:a16="http://schemas.microsoft.com/office/drawing/2014/main" id="{E7D4E32D-8E31-44A0-A677-EF1FE20A81F9}"/>
+              </a:ext>
+            </a:extLst>
+          </p:cNvPr>
+          <p:cNvGrpSpPr/>
+          <p:nvPr/>
+        </p:nvGrpSpPr>
+        <p:grpSpPr>
+          <a:xfrm>
+            <a:off x="2658970" y="1605740"/>
+            <a:ext cx="476250" cy="1886426"/>
+            <a:chOff x="2261625" y="1357253"/>
+            <a:chExt cx="476250" cy="1886426"/>
+          </a:xfrm>
+        </p:grpSpPr>
+        <p:pic>
+          <p:nvPicPr>
+            <p:cNvPr id="23" name="图片 22">
+              <a:extLst>
+                <a:ext uri="{FF2B5EF4-FFF2-40B4-BE49-F238E27FC236}">
+                  <a16:creationId xmlns:a16="http://schemas.microsoft.com/office/drawing/2014/main" id="{2725DBFD-9386-4099-AD05-B68C0B14B4A0}"/>
+                </a:ext>
+              </a:extLst>
+            </p:cNvPr>
+            <p:cNvPicPr>
+              <a:picLocks noChangeAspect="1"/>
+            </p:cNvPicPr>
+            <p:nvPr/>
+          </p:nvPicPr>
+          <p:blipFill>
+            <a:blip r:embed="rId3">
+              <a:extLst>
+                <a:ext uri="{28A0092B-C50C-407E-A947-70E740481C1C}">
+                  <a14:useLocalDpi xmlns:a14="http://schemas.microsoft.com/office/drawing/2010/main" val="0"/>
+                </a:ext>
+              </a:extLst>
+            </a:blip>
+            <a:stretch>
+              <a:fillRect/>
+            </a:stretch>
+          </p:blipFill>
+          <p:spPr>
+            <a:xfrm>
+              <a:off x="2261625" y="1827312"/>
+              <a:ext cx="476250" cy="476250"/>
+            </a:xfrm>
+            <a:prstGeom prst="rect">
+              <a:avLst/>
+            </a:prstGeom>
+          </p:spPr>
+        </p:pic>
+        <p:pic>
+          <p:nvPicPr>
+            <p:cNvPr id="24" name="图片 23">
+              <a:extLst>
+                <a:ext uri="{FF2B5EF4-FFF2-40B4-BE49-F238E27FC236}">
+                  <a16:creationId xmlns:a16="http://schemas.microsoft.com/office/drawing/2014/main" id="{94ED9535-D1C1-42FA-930D-676D411F2B17}"/>
+                </a:ext>
+              </a:extLst>
+            </p:cNvPr>
+            <p:cNvPicPr>
+              <a:picLocks noChangeAspect="1"/>
+            </p:cNvPicPr>
+            <p:nvPr/>
+          </p:nvPicPr>
+          <p:blipFill>
+            <a:blip r:embed="rId4">
+              <a:extLst>
+                <a:ext uri="{28A0092B-C50C-407E-A947-70E740481C1C}">
+                  <a14:useLocalDpi xmlns:a14="http://schemas.microsoft.com/office/drawing/2010/main" val="0"/>
+                </a:ext>
+              </a:extLst>
+            </a:blip>
+            <a:stretch>
+              <a:fillRect/>
+            </a:stretch>
+          </p:blipFill>
+          <p:spPr>
+            <a:xfrm>
+              <a:off x="2261625" y="1357253"/>
+              <a:ext cx="476250" cy="476250"/>
+            </a:xfrm>
+            <a:prstGeom prst="rect">
+              <a:avLst/>
+            </a:prstGeom>
+          </p:spPr>
+        </p:pic>
+        <p:pic>
+          <p:nvPicPr>
+            <p:cNvPr id="29" name="图片 28">
+              <a:extLst>
+                <a:ext uri="{FF2B5EF4-FFF2-40B4-BE49-F238E27FC236}">
+                  <a16:creationId xmlns:a16="http://schemas.microsoft.com/office/drawing/2014/main" id="{E1B15D79-0094-4D8C-9AD8-1B1D8C9B6F3C}"/>
+                </a:ext>
+              </a:extLst>
+            </p:cNvPr>
+            <p:cNvPicPr>
+              <a:picLocks noChangeAspect="1"/>
+            </p:cNvPicPr>
+            <p:nvPr/>
+          </p:nvPicPr>
+          <p:blipFill>
+            <a:blip r:embed="rId5">
+              <a:extLst>
+                <a:ext uri="{28A0092B-C50C-407E-A947-70E740481C1C}">
+                  <a14:useLocalDpi xmlns:a14="http://schemas.microsoft.com/office/drawing/2010/main" val="0"/>
+                </a:ext>
+              </a:extLst>
+            </a:blip>
+            <a:stretch>
+              <a:fillRect/>
+            </a:stretch>
+          </p:blipFill>
+          <p:spPr>
+            <a:xfrm>
+              <a:off x="2261625" y="2767429"/>
+              <a:ext cx="476250" cy="476250"/>
+            </a:xfrm>
+            <a:prstGeom prst="rect">
+              <a:avLst/>
+            </a:prstGeom>
+          </p:spPr>
+        </p:pic>
+        <p:pic>
+          <p:nvPicPr>
+            <p:cNvPr id="30" name="图片 29">
+              <a:extLst>
+                <a:ext uri="{FF2B5EF4-FFF2-40B4-BE49-F238E27FC236}">
+                  <a16:creationId xmlns:a16="http://schemas.microsoft.com/office/drawing/2014/main" id="{947E7C36-7CD4-49F4-93BD-C1136AED8B83}"/>
+                </a:ext>
+              </a:extLst>
+            </p:cNvPr>
+            <p:cNvPicPr>
+              <a:picLocks noChangeAspect="1"/>
+            </p:cNvPicPr>
+            <p:nvPr/>
+          </p:nvPicPr>
+          <p:blipFill>
+            <a:blip r:embed="rId6">
+              <a:extLst>
+                <a:ext uri="{28A0092B-C50C-407E-A947-70E740481C1C}">
+                  <a14:useLocalDpi xmlns:a14="http://schemas.microsoft.com/office/drawing/2010/main" val="0"/>
+                </a:ext>
+              </a:extLst>
+            </a:blip>
+            <a:stretch>
+              <a:fillRect/>
+            </a:stretch>
+          </p:blipFill>
+          <p:spPr>
+            <a:xfrm>
+              <a:off x="2261625" y="2297371"/>
+              <a:ext cx="476250" cy="476250"/>
+            </a:xfrm>
+            <a:prstGeom prst="rect">
+              <a:avLst/>
+            </a:prstGeom>
+          </p:spPr>
+        </p:pic>
+      </p:grpSp>
+      <p:grpSp>
+        <p:nvGrpSpPr>
+          <p:cNvPr id="3" name="组合 2">
+            <a:extLst>
+              <a:ext uri="{FF2B5EF4-FFF2-40B4-BE49-F238E27FC236}">
+                <a16:creationId xmlns:a16="http://schemas.microsoft.com/office/drawing/2014/main" id="{4A87C5E1-6289-4842-BE3C-66033B403B1E}"/>
+              </a:ext>
+            </a:extLst>
+          </p:cNvPr>
+          <p:cNvGrpSpPr/>
+          <p:nvPr/>
+        </p:nvGrpSpPr>
+        <p:grpSpPr>
+          <a:xfrm>
+            <a:off x="1697985" y="4620628"/>
+            <a:ext cx="266700" cy="1217219"/>
+            <a:chOff x="6884220" y="1641910"/>
+            <a:chExt cx="266700" cy="1217219"/>
+          </a:xfrm>
+        </p:grpSpPr>
+        <p:pic>
+          <p:nvPicPr>
+            <p:cNvPr id="41" name="图片 40">
+              <a:extLst>
+                <a:ext uri="{FF2B5EF4-FFF2-40B4-BE49-F238E27FC236}">
+                  <a16:creationId xmlns:a16="http://schemas.microsoft.com/office/drawing/2014/main" id="{CA9C3071-9603-40A9-8222-381D7D4E7FEB}"/>
+                </a:ext>
+              </a:extLst>
+            </p:cNvPr>
+            <p:cNvPicPr>
+              <a:picLocks noChangeAspect="1"/>
+            </p:cNvPicPr>
+            <p:nvPr/>
+          </p:nvPicPr>
+          <p:blipFill>
+            <a:blip r:embed="rId3">
+              <a:extLst>
+                <a:ext uri="{28A0092B-C50C-407E-A947-70E740481C1C}">
+                  <a14:useLocalDpi xmlns:a14="http://schemas.microsoft.com/office/drawing/2010/main" val="0"/>
+                </a:ext>
+              </a:extLst>
+            </a:blip>
+            <a:stretch>
+              <a:fillRect/>
+            </a:stretch>
+          </p:blipFill>
+          <p:spPr>
+            <a:xfrm>
+              <a:off x="6884220" y="1958750"/>
+              <a:ext cx="266700" cy="266700"/>
+            </a:xfrm>
+            <a:prstGeom prst="rect">
+              <a:avLst/>
+            </a:prstGeom>
+          </p:spPr>
+        </p:pic>
+        <p:pic>
+          <p:nvPicPr>
+            <p:cNvPr id="42" name="图片 41">
+              <a:extLst>
+                <a:ext uri="{FF2B5EF4-FFF2-40B4-BE49-F238E27FC236}">
+                  <a16:creationId xmlns:a16="http://schemas.microsoft.com/office/drawing/2014/main" id="{E6A2B3EE-279E-430C-8486-B5F9943BC5E2}"/>
+                </a:ext>
+              </a:extLst>
+            </p:cNvPr>
+            <p:cNvPicPr>
+              <a:picLocks noChangeAspect="1"/>
+            </p:cNvPicPr>
+            <p:nvPr/>
+          </p:nvPicPr>
+          <p:blipFill>
+            <a:blip r:embed="rId4">
+              <a:extLst>
+                <a:ext uri="{28A0092B-C50C-407E-A947-70E740481C1C}">
+                  <a14:useLocalDpi xmlns:a14="http://schemas.microsoft.com/office/drawing/2010/main" val="0"/>
+                </a:ext>
+              </a:extLst>
+            </a:blip>
+            <a:stretch>
+              <a:fillRect/>
+            </a:stretch>
+          </p:blipFill>
+          <p:spPr>
+            <a:xfrm>
+              <a:off x="6884220" y="1641910"/>
+              <a:ext cx="266700" cy="266700"/>
+            </a:xfrm>
+            <a:prstGeom prst="rect">
+              <a:avLst/>
+            </a:prstGeom>
+          </p:spPr>
+        </p:pic>
+        <p:pic>
+          <p:nvPicPr>
+            <p:cNvPr id="43" name="图片 42">
+              <a:extLst>
+                <a:ext uri="{FF2B5EF4-FFF2-40B4-BE49-F238E27FC236}">
+                  <a16:creationId xmlns:a16="http://schemas.microsoft.com/office/drawing/2014/main" id="{0ADC9064-80EA-4C1A-8C1A-38BEC1DDF0F3}"/>
+                </a:ext>
+              </a:extLst>
+            </p:cNvPr>
+            <p:cNvPicPr>
+              <a:picLocks noChangeAspect="1"/>
+            </p:cNvPicPr>
+            <p:nvPr/>
+          </p:nvPicPr>
+          <p:blipFill>
+            <a:blip r:embed="rId5">
+              <a:extLst>
+                <a:ext uri="{28A0092B-C50C-407E-A947-70E740481C1C}">
+                  <a14:useLocalDpi xmlns:a14="http://schemas.microsoft.com/office/drawing/2010/main" val="0"/>
+                </a:ext>
+              </a:extLst>
+            </a:blip>
+            <a:stretch>
+              <a:fillRect/>
+            </a:stretch>
+          </p:blipFill>
+          <p:spPr>
+            <a:xfrm>
+              <a:off x="6884220" y="2592429"/>
+              <a:ext cx="266700" cy="266700"/>
+            </a:xfrm>
+            <a:prstGeom prst="rect">
+              <a:avLst/>
+            </a:prstGeom>
+          </p:spPr>
+        </p:pic>
+        <p:pic>
+          <p:nvPicPr>
+            <p:cNvPr id="44" name="图片 43">
+              <a:extLst>
+                <a:ext uri="{FF2B5EF4-FFF2-40B4-BE49-F238E27FC236}">
+                  <a16:creationId xmlns:a16="http://schemas.microsoft.com/office/drawing/2014/main" id="{2002B381-D04D-4871-9F43-F79C8C9B30A5}"/>
+                </a:ext>
+              </a:extLst>
+            </p:cNvPr>
+            <p:cNvPicPr>
+              <a:picLocks noChangeAspect="1"/>
+            </p:cNvPicPr>
+            <p:nvPr/>
+          </p:nvPicPr>
+          <p:blipFill>
+            <a:blip r:embed="rId6">
+              <a:extLst>
+                <a:ext uri="{28A0092B-C50C-407E-A947-70E740481C1C}">
+                  <a14:useLocalDpi xmlns:a14="http://schemas.microsoft.com/office/drawing/2010/main" val="0"/>
+                </a:ext>
+              </a:extLst>
+            </a:blip>
+            <a:stretch>
+              <a:fillRect/>
+            </a:stretch>
+          </p:blipFill>
+          <p:spPr>
+            <a:xfrm>
+              <a:off x="6884220" y="2275589"/>
+              <a:ext cx="266700" cy="266700"/>
+            </a:xfrm>
+            <a:prstGeom prst="rect">
+              <a:avLst/>
+            </a:prstGeom>
+          </p:spPr>
+        </p:pic>
+      </p:grpSp>
+      <p:sp>
+        <p:nvSpPr>
+          <p:cNvPr id="15" name="椭圆 14">
+            <a:extLst>
+              <a:ext uri="{FF2B5EF4-FFF2-40B4-BE49-F238E27FC236}">
+                <a16:creationId xmlns:a16="http://schemas.microsoft.com/office/drawing/2014/main" id="{FA35671C-DF03-418D-B6AF-C93C9A3D3353}"/>
+              </a:ext>
+            </a:extLst>
+          </p:cNvPr>
+          <p:cNvSpPr>
+            <a:spLocks noChangeAspect="1"/>
+          </p:cNvSpPr>
+          <p:nvPr/>
+        </p:nvSpPr>
+        <p:spPr>
+          <a:xfrm>
+            <a:off x="5320700" y="2575840"/>
+            <a:ext cx="103124" cy="103124"/>
+          </a:xfrm>
+          <a:prstGeom prst="ellipse">
+            <a:avLst/>
+          </a:prstGeom>
+          <a:solidFill>
+            <a:srgbClr val="FFC000"/>
+          </a:solidFill>
+          <a:ln>
+            <a:solidFill>
+              <a:srgbClr val="FFC000"/>
+            </a:solidFill>
+          </a:ln>
+        </p:spPr>
+        <p:style>
+          <a:lnRef idx="2">
+            <a:schemeClr val="accent1">
+              <a:shade val="50000"/>
+            </a:schemeClr>
+          </a:lnRef>
+          <a:fillRef idx="1">
+            <a:schemeClr val="accent1"/>
+          </a:fillRef>
+          <a:effectRef idx="0">
+            <a:schemeClr val="accent1"/>
+          </a:effectRef>
+          <a:fontRef idx="minor">
+            <a:schemeClr val="lt1"/>
+          </a:fontRef>
+        </p:style>
+        <p:txBody>
+          <a:bodyPr rtlCol="0" anchor="ctr"/>
+          <a:lstStyle/>
+          <a:p>
+            <a:pPr algn="ctr"/>
+            <a:endParaRPr lang="en-US"/>
+          </a:p>
+        </p:txBody>
+      </p:sp>
+      <p:sp>
+        <p:nvSpPr>
+          <p:cNvPr id="31" name="椭圆 30">
+            <a:extLst>
+              <a:ext uri="{FF2B5EF4-FFF2-40B4-BE49-F238E27FC236}">
+                <a16:creationId xmlns:a16="http://schemas.microsoft.com/office/drawing/2014/main" id="{605C01B5-0846-4B83-8816-6A272D81627B}"/>
+              </a:ext>
+            </a:extLst>
+          </p:cNvPr>
+          <p:cNvSpPr>
+            <a:spLocks noChangeAspect="1"/>
+          </p:cNvSpPr>
+          <p:nvPr/>
+        </p:nvSpPr>
+        <p:spPr>
+          <a:xfrm>
+            <a:off x="5931502" y="3137300"/>
+            <a:ext cx="103124" cy="103124"/>
+          </a:xfrm>
+          <a:prstGeom prst="ellipse">
+            <a:avLst/>
+          </a:prstGeom>
+          <a:solidFill>
+            <a:srgbClr val="FFC000"/>
+          </a:solidFill>
+          <a:ln>
+            <a:solidFill>
+              <a:srgbClr val="FFC000"/>
+            </a:solidFill>
+          </a:ln>
+        </p:spPr>
+        <p:style>
+          <a:lnRef idx="2">
+            <a:schemeClr val="accent1">
+              <a:shade val="50000"/>
+            </a:schemeClr>
+          </a:lnRef>
+          <a:fillRef idx="1">
+            <a:schemeClr val="accent1"/>
+          </a:fillRef>
+          <a:effectRef idx="0">
+            <a:schemeClr val="accent1"/>
+          </a:effectRef>
+          <a:fontRef idx="minor">
+            <a:schemeClr val="lt1"/>
+          </a:fontRef>
+        </p:style>
+        <p:txBody>
+          <a:bodyPr rtlCol="0" anchor="ctr"/>
+          <a:lstStyle/>
+          <a:p>
+            <a:pPr algn="ctr"/>
+            <a:endParaRPr lang="en-US"/>
+          </a:p>
+        </p:txBody>
+      </p:sp>
+      <p:sp>
+        <p:nvSpPr>
+          <p:cNvPr id="32" name="椭圆 31">
+            <a:extLst>
+              <a:ext uri="{FF2B5EF4-FFF2-40B4-BE49-F238E27FC236}">
+                <a16:creationId xmlns:a16="http://schemas.microsoft.com/office/drawing/2014/main" id="{BD339CB2-7B3A-4C38-80FC-6D93E69089D3}"/>
+              </a:ext>
+            </a:extLst>
+          </p:cNvPr>
+          <p:cNvSpPr>
+            <a:spLocks noChangeAspect="1"/>
+          </p:cNvSpPr>
+          <p:nvPr/>
+        </p:nvSpPr>
+        <p:spPr>
+          <a:xfrm>
+            <a:off x="6186772" y="1843865"/>
+            <a:ext cx="103124" cy="103124"/>
+          </a:xfrm>
+          <a:prstGeom prst="ellipse">
+            <a:avLst/>
+          </a:prstGeom>
+          <a:solidFill>
+            <a:srgbClr val="FFC000"/>
+          </a:solidFill>
+          <a:ln>
+            <a:solidFill>
+              <a:srgbClr val="FFC000"/>
+            </a:solidFill>
+          </a:ln>
+        </p:spPr>
+        <p:style>
+          <a:lnRef idx="2">
+            <a:schemeClr val="accent1">
+              <a:shade val="50000"/>
+            </a:schemeClr>
+          </a:lnRef>
+          <a:fillRef idx="1">
+            <a:schemeClr val="accent1"/>
+          </a:fillRef>
+          <a:effectRef idx="0">
+            <a:schemeClr val="accent1"/>
+          </a:effectRef>
+          <a:fontRef idx="minor">
+            <a:schemeClr val="lt1"/>
+          </a:fontRef>
+        </p:style>
+        <p:txBody>
+          <a:bodyPr rtlCol="0" anchor="ctr"/>
+          <a:lstStyle/>
+          <a:p>
+            <a:pPr algn="ctr"/>
+            <a:endParaRPr lang="en-US"/>
+          </a:p>
+        </p:txBody>
+      </p:sp>
+      <p:sp>
+        <p:nvSpPr>
+          <p:cNvPr id="33" name="椭圆 32">
+            <a:extLst>
+              <a:ext uri="{FF2B5EF4-FFF2-40B4-BE49-F238E27FC236}">
+                <a16:creationId xmlns:a16="http://schemas.microsoft.com/office/drawing/2014/main" id="{AE054DF7-FC33-4D39-B1E1-3F0DACBEE603}"/>
+              </a:ext>
+            </a:extLst>
+          </p:cNvPr>
+          <p:cNvSpPr>
+            <a:spLocks noChangeAspect="1"/>
+          </p:cNvSpPr>
+          <p:nvPr/>
+        </p:nvSpPr>
+        <p:spPr>
+          <a:xfrm>
+            <a:off x="6186772" y="2442734"/>
+            <a:ext cx="103124" cy="103124"/>
+          </a:xfrm>
+          <a:prstGeom prst="ellipse">
+            <a:avLst/>
+          </a:prstGeom>
+          <a:solidFill>
+            <a:srgbClr val="FFC000"/>
+          </a:solidFill>
+          <a:ln>
+            <a:solidFill>
+              <a:srgbClr val="FFC000"/>
+            </a:solidFill>
+          </a:ln>
+        </p:spPr>
+        <p:style>
+          <a:lnRef idx="2">
+            <a:schemeClr val="accent1">
+              <a:shade val="50000"/>
+            </a:schemeClr>
+          </a:lnRef>
+          <a:fillRef idx="1">
+            <a:schemeClr val="accent1"/>
+          </a:fillRef>
+          <a:effectRef idx="0">
+            <a:schemeClr val="accent1"/>
+          </a:effectRef>
+          <a:fontRef idx="minor">
+            <a:schemeClr val="lt1"/>
+          </a:fontRef>
+        </p:style>
+        <p:txBody>
+          <a:bodyPr rtlCol="0" anchor="ctr"/>
+          <a:lstStyle/>
+          <a:p>
+            <a:pPr algn="ctr"/>
+            <a:endParaRPr lang="en-US"/>
+          </a:p>
+        </p:txBody>
+      </p:sp>
+      <p:sp>
+        <p:nvSpPr>
+          <p:cNvPr id="34" name="椭圆 33">
+            <a:extLst>
+              <a:ext uri="{FF2B5EF4-FFF2-40B4-BE49-F238E27FC236}">
+                <a16:creationId xmlns:a16="http://schemas.microsoft.com/office/drawing/2014/main" id="{F76F9BD5-F8B9-417B-85FD-74EDB9100EB7}"/>
+              </a:ext>
+            </a:extLst>
+          </p:cNvPr>
+          <p:cNvSpPr>
+            <a:spLocks noChangeAspect="1"/>
+          </p:cNvSpPr>
+          <p:nvPr/>
+        </p:nvSpPr>
+        <p:spPr>
+          <a:xfrm>
+            <a:off x="6869086" y="2309112"/>
+            <a:ext cx="103124" cy="103124"/>
+          </a:xfrm>
+          <a:prstGeom prst="ellipse">
+            <a:avLst/>
+          </a:prstGeom>
+          <a:solidFill>
+            <a:srgbClr val="FFC000"/>
+          </a:solidFill>
+          <a:ln>
+            <a:solidFill>
+              <a:srgbClr val="FFC000"/>
+            </a:solidFill>
+          </a:ln>
+        </p:spPr>
+        <p:style>
+          <a:lnRef idx="2">
+            <a:schemeClr val="accent1">
+              <a:shade val="50000"/>
+            </a:schemeClr>
+          </a:lnRef>
+          <a:fillRef idx="1">
+            <a:schemeClr val="accent1"/>
+          </a:fillRef>
+          <a:effectRef idx="0">
+            <a:schemeClr val="accent1"/>
+          </a:effectRef>
+          <a:fontRef idx="minor">
+            <a:schemeClr val="lt1"/>
+          </a:fontRef>
+        </p:style>
+        <p:txBody>
+          <a:bodyPr rtlCol="0" anchor="ctr"/>
+          <a:lstStyle/>
+          <a:p>
+            <a:pPr algn="ctr"/>
+            <a:endParaRPr lang="en-US"/>
+          </a:p>
+        </p:txBody>
+      </p:sp>
+      <p:cxnSp>
+        <p:nvCxnSpPr>
+          <p:cNvPr id="17" name="直接连接符 16">
+            <a:extLst>
+              <a:ext uri="{FF2B5EF4-FFF2-40B4-BE49-F238E27FC236}">
+                <a16:creationId xmlns:a16="http://schemas.microsoft.com/office/drawing/2014/main" id="{5D8C6BAE-6EAA-43C1-9E38-42426C4A6147}"/>
+              </a:ext>
+            </a:extLst>
+          </p:cNvPr>
+          <p:cNvCxnSpPr>
+            <a:cxnSpLocks/>
+            <a:stCxn id="15" idx="4"/>
+            <a:endCxn id="40" idx="2"/>
+          </p:cNvCxnSpPr>
+          <p:nvPr/>
+        </p:nvCxnSpPr>
+        <p:spPr>
+          <a:xfrm flipH="1" flipV="1">
+            <a:off x="5352752" y="1240203"/>
+            <a:ext cx="19510" cy="1438761"/>
+          </a:xfrm>
+          <a:prstGeom prst="line">
+            <a:avLst/>
+          </a:prstGeom>
+          <a:ln w="9525" cap="flat" cmpd="sng" algn="ctr">
+            <a:solidFill>
+              <a:schemeClr val="accent3"/>
+            </a:solidFill>
+            <a:prstDash val="dash"/>
+            <a:round/>
+            <a:headEnd type="none" w="med" len="med"/>
+            <a:tailEnd type="none" w="med" len="med"/>
+          </a:ln>
+        </p:spPr>
+        <p:style>
+          <a:lnRef idx="0">
+            <a:scrgbClr r="0" g="0" b="0"/>
+          </a:lnRef>
+          <a:fillRef idx="0">
+            <a:scrgbClr r="0" g="0" b="0"/>
+          </a:fillRef>
+          <a:effectRef idx="0">
+            <a:scrgbClr r="0" g="0" b="0"/>
+          </a:effectRef>
+          <a:fontRef idx="minor">
+            <a:schemeClr val="tx1"/>
+          </a:fontRef>
+        </p:style>
+      </p:cxnSp>
+      <p:pic>
+        <p:nvPicPr>
+          <p:cNvPr id="39" name="图片 38">
+            <a:extLst>
+              <a:ext uri="{FF2B5EF4-FFF2-40B4-BE49-F238E27FC236}">
+                <a16:creationId xmlns:a16="http://schemas.microsoft.com/office/drawing/2014/main" id="{85B461E6-A0C8-473D-BDC3-C66E99D9EB3C}"/>
+              </a:ext>
+            </a:extLst>
+          </p:cNvPr>
+          <p:cNvPicPr>
+            <a:picLocks noChangeAspect="1"/>
+          </p:cNvPicPr>
+          <p:nvPr/>
+        </p:nvPicPr>
+        <p:blipFill>
+          <a:blip r:embed="rId7">
+            <a:extLst>
+              <a:ext uri="{28A0092B-C50C-407E-A947-70E740481C1C}">
+                <a14:useLocalDpi xmlns:a14="http://schemas.microsoft.com/office/drawing/2010/main" val="0"/>
+              </a:ext>
+            </a:extLst>
+          </a:blip>
+          <a:stretch>
+            <a:fillRect/>
+          </a:stretch>
+        </p:blipFill>
+        <p:spPr>
+          <a:xfrm>
+            <a:off x="6005925" y="759316"/>
+            <a:ext cx="472059" cy="472059"/>
+          </a:xfrm>
+          <a:prstGeom prst="rect">
+            <a:avLst/>
+          </a:prstGeom>
+        </p:spPr>
+      </p:pic>
+      <p:pic>
+        <p:nvPicPr>
+          <p:cNvPr id="40" name="图片 39">
+            <a:extLst>
+              <a:ext uri="{FF2B5EF4-FFF2-40B4-BE49-F238E27FC236}">
+                <a16:creationId xmlns:a16="http://schemas.microsoft.com/office/drawing/2014/main" id="{9975F7C1-82E2-4DFA-A457-7949611DE7B2}"/>
+              </a:ext>
+            </a:extLst>
+          </p:cNvPr>
+          <p:cNvPicPr>
+            <a:picLocks noChangeAspect="1"/>
+          </p:cNvPicPr>
+          <p:nvPr/>
+        </p:nvPicPr>
+        <p:blipFill>
+          <a:blip r:embed="rId8">
+            <a:extLst>
+              <a:ext uri="{28A0092B-C50C-407E-A947-70E740481C1C}">
+                <a14:useLocalDpi xmlns:a14="http://schemas.microsoft.com/office/drawing/2010/main" val="0"/>
+              </a:ext>
+            </a:extLst>
+          </a:blip>
+          <a:stretch>
+            <a:fillRect/>
+          </a:stretch>
+        </p:blipFill>
+        <p:spPr>
+          <a:xfrm>
+            <a:off x="5116722" y="768144"/>
+            <a:ext cx="472059" cy="472059"/>
+          </a:xfrm>
+          <a:prstGeom prst="rect">
+            <a:avLst/>
+          </a:prstGeom>
+        </p:spPr>
+      </p:pic>
+      <p:pic>
+        <p:nvPicPr>
+          <p:cNvPr id="45" name="图片 44">
+            <a:extLst>
+              <a:ext uri="{FF2B5EF4-FFF2-40B4-BE49-F238E27FC236}">
+                <a16:creationId xmlns:a16="http://schemas.microsoft.com/office/drawing/2014/main" id="{1030DF27-B139-4F7B-BCE5-AA3AB7ACE4FB}"/>
+              </a:ext>
+            </a:extLst>
+          </p:cNvPr>
+          <p:cNvPicPr>
+            <a:picLocks noChangeAspect="1"/>
+          </p:cNvPicPr>
+          <p:nvPr/>
+        </p:nvPicPr>
+        <p:blipFill>
+          <a:blip r:embed="rId9">
+            <a:extLst>
+              <a:ext uri="{28A0092B-C50C-407E-A947-70E740481C1C}">
+                <a14:useLocalDpi xmlns:a14="http://schemas.microsoft.com/office/drawing/2010/main" val="0"/>
+              </a:ext>
+            </a:extLst>
+          </a:blip>
+          <a:stretch>
+            <a:fillRect/>
+          </a:stretch>
+        </p:blipFill>
+        <p:spPr>
+          <a:xfrm>
+            <a:off x="5747035" y="3822881"/>
+            <a:ext cx="472059" cy="472059"/>
+          </a:xfrm>
+          <a:prstGeom prst="rect">
+            <a:avLst/>
+          </a:prstGeom>
+        </p:spPr>
+      </p:pic>
+      <p:pic>
+        <p:nvPicPr>
+          <p:cNvPr id="48" name="图片 47">
+            <a:extLst>
+              <a:ext uri="{FF2B5EF4-FFF2-40B4-BE49-F238E27FC236}">
+                <a16:creationId xmlns:a16="http://schemas.microsoft.com/office/drawing/2014/main" id="{811BBC10-0490-4950-AE24-05FF30F8F7D1}"/>
+              </a:ext>
+            </a:extLst>
+          </p:cNvPr>
+          <p:cNvPicPr>
+            <a:picLocks noChangeAspect="1"/>
+          </p:cNvPicPr>
+          <p:nvPr/>
+        </p:nvPicPr>
+        <p:blipFill>
+          <a:blip r:embed="rId10">
+            <a:extLst>
+              <a:ext uri="{28A0092B-C50C-407E-A947-70E740481C1C}">
+                <a14:useLocalDpi xmlns:a14="http://schemas.microsoft.com/office/drawing/2010/main" val="0"/>
+              </a:ext>
+            </a:extLst>
+          </a:blip>
+          <a:stretch>
+            <a:fillRect/>
+          </a:stretch>
+        </p:blipFill>
+        <p:spPr>
+          <a:xfrm>
+            <a:off x="6681352" y="755097"/>
+            <a:ext cx="472059" cy="472059"/>
+          </a:xfrm>
+          <a:prstGeom prst="rect">
+            <a:avLst/>
+          </a:prstGeom>
+        </p:spPr>
+      </p:pic>
+      <p:pic>
+        <p:nvPicPr>
+          <p:cNvPr id="49" name="图片 48">
+            <a:extLst>
+              <a:ext uri="{FF2B5EF4-FFF2-40B4-BE49-F238E27FC236}">
+                <a16:creationId xmlns:a16="http://schemas.microsoft.com/office/drawing/2014/main" id="{A90CBCF1-2023-4091-A836-2DE978A97D39}"/>
+              </a:ext>
+            </a:extLst>
+          </p:cNvPr>
+          <p:cNvPicPr>
+            <a:picLocks noChangeAspect="1"/>
+          </p:cNvPicPr>
+          <p:nvPr/>
+        </p:nvPicPr>
+        <p:blipFill>
+          <a:blip r:embed="rId11">
+            <a:extLst>
+              <a:ext uri="{28A0092B-C50C-407E-A947-70E740481C1C}">
+                <a14:useLocalDpi xmlns:a14="http://schemas.microsoft.com/office/drawing/2010/main" val="0"/>
+              </a:ext>
+            </a:extLst>
+          </a:blip>
+          <a:stretch>
+            <a:fillRect/>
+          </a:stretch>
+        </p:blipFill>
+        <p:spPr>
+          <a:xfrm>
+            <a:off x="6272815" y="3824728"/>
+            <a:ext cx="472059" cy="472059"/>
+          </a:xfrm>
+          <a:prstGeom prst="rect">
+            <a:avLst/>
+          </a:prstGeom>
+        </p:spPr>
+      </p:pic>
+      <p:cxnSp>
+        <p:nvCxnSpPr>
+          <p:cNvPr id="50" name="直接连接符 49">
+            <a:extLst>
+              <a:ext uri="{FF2B5EF4-FFF2-40B4-BE49-F238E27FC236}">
+                <a16:creationId xmlns:a16="http://schemas.microsoft.com/office/drawing/2014/main" id="{71EE381B-27C1-4FD8-922B-E803539ED050}"/>
+              </a:ext>
+            </a:extLst>
+          </p:cNvPr>
+          <p:cNvCxnSpPr>
+            <a:cxnSpLocks/>
+          </p:cNvCxnSpPr>
+          <p:nvPr/>
+        </p:nvCxnSpPr>
+        <p:spPr>
+          <a:xfrm flipH="1">
+            <a:off x="6237132" y="1227156"/>
+            <a:ext cx="1202" cy="594169"/>
+          </a:xfrm>
+          <a:prstGeom prst="line">
+            <a:avLst/>
+          </a:prstGeom>
+          <a:ln w="9525" cap="flat" cmpd="sng" algn="ctr">
+            <a:solidFill>
+              <a:schemeClr val="accent3"/>
+            </a:solidFill>
+            <a:prstDash val="dash"/>
+            <a:round/>
+            <a:headEnd type="none" w="med" len="med"/>
+            <a:tailEnd type="none" w="med" len="med"/>
+          </a:ln>
+        </p:spPr>
+        <p:style>
+          <a:lnRef idx="0">
+            <a:scrgbClr r="0" g="0" b="0"/>
+          </a:lnRef>
+          <a:fillRef idx="0">
+            <a:scrgbClr r="0" g="0" b="0"/>
+          </a:fillRef>
+          <a:effectRef idx="0">
+            <a:scrgbClr r="0" g="0" b="0"/>
+          </a:effectRef>
+          <a:fontRef idx="minor">
+            <a:schemeClr val="tx1"/>
+          </a:fontRef>
+        </p:style>
+      </p:cxnSp>
+      <p:cxnSp>
+        <p:nvCxnSpPr>
+          <p:cNvPr id="51" name="直接连接符 50">
+            <a:extLst>
+              <a:ext uri="{FF2B5EF4-FFF2-40B4-BE49-F238E27FC236}">
+                <a16:creationId xmlns:a16="http://schemas.microsoft.com/office/drawing/2014/main" id="{B5185EC4-A395-4BBF-82E4-1CF0A811F22E}"/>
+              </a:ext>
+            </a:extLst>
+          </p:cNvPr>
+          <p:cNvCxnSpPr>
+            <a:cxnSpLocks/>
+            <a:stCxn id="31" idx="4"/>
+            <a:endCxn id="45" idx="0"/>
+          </p:cNvCxnSpPr>
+          <p:nvPr/>
+        </p:nvCxnSpPr>
+        <p:spPr>
+          <a:xfrm>
+            <a:off x="5983064" y="3240424"/>
+            <a:ext cx="1" cy="582457"/>
+          </a:xfrm>
+          <a:prstGeom prst="line">
+            <a:avLst/>
+          </a:prstGeom>
+          <a:ln w="9525" cap="flat" cmpd="sng" algn="ctr">
+            <a:solidFill>
+              <a:schemeClr val="accent3"/>
+            </a:solidFill>
+            <a:prstDash val="dash"/>
+            <a:round/>
+            <a:headEnd type="none" w="med" len="med"/>
+            <a:tailEnd type="none" w="med" len="med"/>
+          </a:ln>
+        </p:spPr>
+        <p:style>
+          <a:lnRef idx="0">
+            <a:scrgbClr r="0" g="0" b="0"/>
+          </a:lnRef>
+          <a:fillRef idx="0">
+            <a:scrgbClr r="0" g="0" b="0"/>
+          </a:fillRef>
+          <a:effectRef idx="0">
+            <a:scrgbClr r="0" g="0" b="0"/>
+          </a:effectRef>
+          <a:fontRef idx="minor">
+            <a:schemeClr val="tx1"/>
+          </a:fontRef>
+        </p:style>
+      </p:cxnSp>
+      <p:cxnSp>
+        <p:nvCxnSpPr>
+          <p:cNvPr id="52" name="直接连接符 51">
+            <a:extLst>
+              <a:ext uri="{FF2B5EF4-FFF2-40B4-BE49-F238E27FC236}">
+                <a16:creationId xmlns:a16="http://schemas.microsoft.com/office/drawing/2014/main" id="{E5FC662E-7A2B-401B-B477-2D4D24647849}"/>
+              </a:ext>
+            </a:extLst>
+          </p:cNvPr>
+          <p:cNvCxnSpPr>
+            <a:cxnSpLocks/>
+          </p:cNvCxnSpPr>
+          <p:nvPr/>
+        </p:nvCxnSpPr>
+        <p:spPr>
+          <a:xfrm>
+            <a:off x="6490799" y="2494296"/>
+            <a:ext cx="8585" cy="1322898"/>
+          </a:xfrm>
+          <a:prstGeom prst="line">
+            <a:avLst/>
+          </a:prstGeom>
+          <a:ln w="9525" cap="flat" cmpd="sng" algn="ctr">
+            <a:solidFill>
+              <a:schemeClr val="accent3"/>
+            </a:solidFill>
+            <a:prstDash val="dash"/>
+            <a:round/>
+            <a:headEnd type="none" w="med" len="med"/>
+            <a:tailEnd type="none" w="med" len="med"/>
+          </a:ln>
+        </p:spPr>
+        <p:style>
+          <a:lnRef idx="0">
+            <a:scrgbClr r="0" g="0" b="0"/>
+          </a:lnRef>
+          <a:fillRef idx="0">
+            <a:scrgbClr r="0" g="0" b="0"/>
+          </a:fillRef>
+          <a:effectRef idx="0">
+            <a:scrgbClr r="0" g="0" b="0"/>
+          </a:effectRef>
+          <a:fontRef idx="minor">
+            <a:schemeClr val="tx1"/>
+          </a:fontRef>
+        </p:style>
+      </p:cxnSp>
+      <p:cxnSp>
+        <p:nvCxnSpPr>
+          <p:cNvPr id="54" name="直接连接符 53">
+            <a:extLst>
+              <a:ext uri="{FF2B5EF4-FFF2-40B4-BE49-F238E27FC236}">
+                <a16:creationId xmlns:a16="http://schemas.microsoft.com/office/drawing/2014/main" id="{B0B14417-60C6-4E8F-95B3-63DABBB1EF5D}"/>
+              </a:ext>
+            </a:extLst>
+          </p:cNvPr>
+          <p:cNvCxnSpPr>
+            <a:cxnSpLocks/>
+            <a:stCxn id="48" idx="2"/>
+          </p:cNvCxnSpPr>
+          <p:nvPr/>
+        </p:nvCxnSpPr>
+        <p:spPr>
+          <a:xfrm>
+            <a:off x="6917382" y="1227156"/>
+            <a:ext cx="1741" cy="1069942"/>
+          </a:xfrm>
+          <a:prstGeom prst="line">
+            <a:avLst/>
+          </a:prstGeom>
+          <a:ln w="9525" cap="flat" cmpd="sng" algn="ctr">
+            <a:solidFill>
+              <a:schemeClr val="accent3"/>
+            </a:solidFill>
+            <a:prstDash val="dash"/>
+            <a:round/>
+            <a:headEnd type="none" w="med" len="med"/>
+            <a:tailEnd type="none" w="med" len="med"/>
+          </a:ln>
+        </p:spPr>
+        <p:style>
+          <a:lnRef idx="0">
+            <a:scrgbClr r="0" g="0" b="0"/>
+          </a:lnRef>
+          <a:fillRef idx="0">
+            <a:scrgbClr r="0" g="0" b="0"/>
+          </a:fillRef>
+          <a:effectRef idx="0">
+            <a:scrgbClr r="0" g="0" b="0"/>
+          </a:effectRef>
+          <a:fontRef idx="minor">
+            <a:schemeClr val="tx1"/>
+          </a:fontRef>
+        </p:style>
+      </p:cxnSp>
+      <p:cxnSp>
+        <p:nvCxnSpPr>
+          <p:cNvPr id="35" name="直接连接符 34">
+            <a:extLst>
+              <a:ext uri="{FF2B5EF4-FFF2-40B4-BE49-F238E27FC236}">
+                <a16:creationId xmlns:a16="http://schemas.microsoft.com/office/drawing/2014/main" id="{82AE90B7-8EDC-4934-8763-DA87E3AB4540}"/>
+              </a:ext>
+            </a:extLst>
+          </p:cNvPr>
+          <p:cNvCxnSpPr>
+            <a:cxnSpLocks/>
+            <a:stCxn id="33" idx="6"/>
+          </p:cNvCxnSpPr>
+          <p:nvPr/>
+        </p:nvCxnSpPr>
+        <p:spPr>
+          <a:xfrm>
+            <a:off x="6289896" y="2494296"/>
+            <a:ext cx="209488" cy="0"/>
+          </a:xfrm>
+          <a:prstGeom prst="line">
+            <a:avLst/>
+          </a:prstGeom>
+          <a:ln w="9525" cap="flat" cmpd="sng" algn="ctr">
+            <a:solidFill>
+              <a:schemeClr val="accent3"/>
+            </a:solidFill>
+            <a:prstDash val="dash"/>
+            <a:round/>
+            <a:headEnd type="none" w="med" len="med"/>
+            <a:tailEnd type="none" w="med" len="med"/>
+          </a:ln>
+        </p:spPr>
+        <p:style>
+          <a:lnRef idx="0">
+            <a:scrgbClr r="0" g="0" b="0"/>
+          </a:lnRef>
+          <a:fillRef idx="0">
+            <a:scrgbClr r="0" g="0" b="0"/>
+          </a:fillRef>
+          <a:effectRef idx="0">
+            <a:scrgbClr r="0" g="0" b="0"/>
+          </a:effectRef>
+          <a:fontRef idx="minor">
+            <a:schemeClr val="tx1"/>
+          </a:fontRef>
+        </p:style>
+      </p:cxnSp>
+      <p:pic>
+        <p:nvPicPr>
+          <p:cNvPr id="71" name="图片 70">
+            <a:extLst>
+              <a:ext uri="{FF2B5EF4-FFF2-40B4-BE49-F238E27FC236}">
+                <a16:creationId xmlns:a16="http://schemas.microsoft.com/office/drawing/2014/main" id="{C7B81784-1B68-458E-9D4E-506EC968A68D}"/>
+              </a:ext>
+            </a:extLst>
+          </p:cNvPr>
+          <p:cNvPicPr>
+            <a:picLocks noChangeAspect="1"/>
+          </p:cNvPicPr>
+          <p:nvPr/>
+        </p:nvPicPr>
+        <p:blipFill>
+          <a:blip r:embed="rId7">
+            <a:extLst>
+              <a:ext uri="{28A0092B-C50C-407E-A947-70E740481C1C}">
+                <a14:useLocalDpi xmlns:a14="http://schemas.microsoft.com/office/drawing/2010/main" val="0"/>
+              </a:ext>
+            </a:extLst>
+          </a:blip>
+          <a:stretch>
+            <a:fillRect/>
+          </a:stretch>
+        </p:blipFill>
+        <p:spPr>
+          <a:xfrm>
+            <a:off x="6140215" y="4638098"/>
+            <a:ext cx="265176" cy="265176"/>
+          </a:xfrm>
+          <a:prstGeom prst="rect">
+            <a:avLst/>
+          </a:prstGeom>
+        </p:spPr>
+      </p:pic>
+      <p:pic>
+        <p:nvPicPr>
+          <p:cNvPr id="72" name="图片 71">
+            <a:extLst>
+              <a:ext uri="{FF2B5EF4-FFF2-40B4-BE49-F238E27FC236}">
+                <a16:creationId xmlns:a16="http://schemas.microsoft.com/office/drawing/2014/main" id="{1AB5D69B-7F12-4A13-871F-2F94B8AB6B0C}"/>
+              </a:ext>
+            </a:extLst>
+          </p:cNvPr>
+          <p:cNvPicPr>
+            <a:picLocks noChangeAspect="1"/>
+          </p:cNvPicPr>
+          <p:nvPr/>
+        </p:nvPicPr>
+        <p:blipFill>
+          <a:blip r:embed="rId8">
+            <a:extLst>
+              <a:ext uri="{28A0092B-C50C-407E-A947-70E740481C1C}">
+                <a14:useLocalDpi xmlns:a14="http://schemas.microsoft.com/office/drawing/2010/main" val="0"/>
+              </a:ext>
+            </a:extLst>
+          </a:blip>
+          <a:stretch>
+            <a:fillRect/>
+          </a:stretch>
+        </p:blipFill>
+        <p:spPr>
+          <a:xfrm>
+            <a:off x="6140215" y="4950721"/>
+            <a:ext cx="265176" cy="265176"/>
+          </a:xfrm>
+          <a:prstGeom prst="rect">
+            <a:avLst/>
+          </a:prstGeom>
+        </p:spPr>
+      </p:pic>
+      <p:pic>
+        <p:nvPicPr>
+          <p:cNvPr id="73" name="图片 72">
+            <a:extLst>
+              <a:ext uri="{FF2B5EF4-FFF2-40B4-BE49-F238E27FC236}">
+                <a16:creationId xmlns:a16="http://schemas.microsoft.com/office/drawing/2014/main" id="{1300E153-E2E6-4793-AA13-61FD8F8BCA6A}"/>
+              </a:ext>
+            </a:extLst>
+          </p:cNvPr>
+          <p:cNvPicPr>
+            <a:picLocks noChangeAspect="1"/>
+          </p:cNvPicPr>
+          <p:nvPr/>
+        </p:nvPicPr>
+        <p:blipFill>
+          <a:blip r:embed="rId9">
+            <a:extLst>
+              <a:ext uri="{28A0092B-C50C-407E-A947-70E740481C1C}">
+                <a14:useLocalDpi xmlns:a14="http://schemas.microsoft.com/office/drawing/2010/main" val="0"/>
+              </a:ext>
+            </a:extLst>
+          </a:blip>
+          <a:stretch>
+            <a:fillRect/>
+          </a:stretch>
+        </p:blipFill>
+        <p:spPr>
+          <a:xfrm>
+            <a:off x="6140215" y="5263344"/>
+            <a:ext cx="265176" cy="265176"/>
+          </a:xfrm>
+          <a:prstGeom prst="rect">
+            <a:avLst/>
+          </a:prstGeom>
+        </p:spPr>
+      </p:pic>
+      <p:pic>
+        <p:nvPicPr>
+          <p:cNvPr id="74" name="图片 73">
+            <a:extLst>
+              <a:ext uri="{FF2B5EF4-FFF2-40B4-BE49-F238E27FC236}">
+                <a16:creationId xmlns:a16="http://schemas.microsoft.com/office/drawing/2014/main" id="{A834CB26-94AF-4706-87ED-078E28D9C66D}"/>
+              </a:ext>
+            </a:extLst>
+          </p:cNvPr>
+          <p:cNvPicPr>
+            <a:picLocks noChangeAspect="1"/>
+          </p:cNvPicPr>
+          <p:nvPr/>
+        </p:nvPicPr>
+        <p:blipFill>
+          <a:blip r:embed="rId10">
+            <a:extLst>
+              <a:ext uri="{28A0092B-C50C-407E-A947-70E740481C1C}">
+                <a14:useLocalDpi xmlns:a14="http://schemas.microsoft.com/office/drawing/2010/main" val="0"/>
+              </a:ext>
+            </a:extLst>
+          </a:blip>
+          <a:stretch>
+            <a:fillRect/>
+          </a:stretch>
+        </p:blipFill>
+        <p:spPr>
+          <a:xfrm>
+            <a:off x="6140215" y="5575967"/>
+            <a:ext cx="265176" cy="265176"/>
+          </a:xfrm>
+          <a:prstGeom prst="rect">
+            <a:avLst/>
+          </a:prstGeom>
+        </p:spPr>
+      </p:pic>
+      <p:pic>
+        <p:nvPicPr>
+          <p:cNvPr id="75" name="图片 74">
+            <a:extLst>
+              <a:ext uri="{FF2B5EF4-FFF2-40B4-BE49-F238E27FC236}">
+                <a16:creationId xmlns:a16="http://schemas.microsoft.com/office/drawing/2014/main" id="{B5D9DC62-880B-4C74-A356-524B3911E81A}"/>
+              </a:ext>
+            </a:extLst>
+          </p:cNvPr>
+          <p:cNvPicPr>
+            <a:picLocks noChangeAspect="1"/>
+          </p:cNvPicPr>
+          <p:nvPr/>
+        </p:nvPicPr>
+        <p:blipFill>
+          <a:blip r:embed="rId11">
+            <a:extLst>
+              <a:ext uri="{28A0092B-C50C-407E-A947-70E740481C1C}">
+                <a14:useLocalDpi xmlns:a14="http://schemas.microsoft.com/office/drawing/2010/main" val="0"/>
+              </a:ext>
+            </a:extLst>
+          </a:blip>
+          <a:stretch>
+            <a:fillRect/>
+          </a:stretch>
+        </p:blipFill>
+        <p:spPr>
+          <a:xfrm>
+            <a:off x="6140215" y="5888590"/>
+            <a:ext cx="265176" cy="265176"/>
+          </a:xfrm>
+          <a:prstGeom prst="rect">
+            <a:avLst/>
+          </a:prstGeom>
+        </p:spPr>
+      </p:pic>
+      <p:sp>
+        <p:nvSpPr>
+          <p:cNvPr id="76" name="文本框 75">
+            <a:extLst>
+              <a:ext uri="{FF2B5EF4-FFF2-40B4-BE49-F238E27FC236}">
+                <a16:creationId xmlns:a16="http://schemas.microsoft.com/office/drawing/2014/main" id="{5F28D8D1-B144-406B-A2B2-51CC7A509BBF}"/>
+              </a:ext>
+            </a:extLst>
+          </p:cNvPr>
+          <p:cNvSpPr txBox="1"/>
+          <p:nvPr/>
+        </p:nvSpPr>
+        <p:spPr>
+          <a:xfrm>
+            <a:off x="6384147" y="4556118"/>
+            <a:ext cx="5358706" cy="2292935"/>
+          </a:xfrm>
+          <a:prstGeom prst="rect">
+            <a:avLst/>
+          </a:prstGeom>
+          <a:noFill/>
+        </p:spPr>
+        <p:txBody>
+          <a:bodyPr wrap="square" rtlCol="0">
+            <a:spAutoFit/>
+          </a:bodyPr>
+          <a:lstStyle/>
+          <a:p>
+            <a:pPr>
+              <a:lnSpc>
+                <a:spcPts val="2500"/>
+              </a:lnSpc>
+            </a:pPr>
+            <a:r>
+              <a:rPr lang="en-US" sz="1600">
+                <a:latin typeface="Leelawadee UI" panose="020B0502040204020203" pitchFamily="34" charset="-34"/>
+                <a:ea typeface="Microsoft JhengHei Light" panose="020B0304030504040204" pitchFamily="34" charset="-120"/>
+                <a:cs typeface="Leelawadee UI" panose="020B0502040204020203" pitchFamily="34" charset="-34"/>
+              </a:rPr>
+              <a:t>KEY A: </a:t>
+            </a:r>
+            <a:r>
+              <a:rPr lang="zh-CN" altLang="en-US" sz="1600">
+                <a:latin typeface="华文楷体" panose="02010600040101010101" pitchFamily="2" charset="-122"/>
+                <a:ea typeface="华文楷体" panose="02010600040101010101" pitchFamily="2" charset="-122"/>
+                <a:cs typeface="Leelawadee UI" panose="020B0502040204020203" pitchFamily="34" charset="-34"/>
+              </a:rPr>
+              <a:t>默认高电平，按压时输出为低</a:t>
+            </a:r>
+            <a:r>
+              <a:rPr lang="en-US" altLang="zh-CN" sz="1600">
+                <a:latin typeface="华文楷体" panose="02010600040101010101" pitchFamily="2" charset="-122"/>
+                <a:ea typeface="华文楷体" panose="02010600040101010101" pitchFamily="2" charset="-122"/>
+                <a:cs typeface="Leelawadee UI" panose="020B0502040204020203" pitchFamily="34" charset="-34"/>
+              </a:rPr>
+              <a:t> </a:t>
+            </a:r>
+          </a:p>
+          <a:p>
+            <a:pPr>
+              <a:lnSpc>
+                <a:spcPts val="2500"/>
+              </a:lnSpc>
+            </a:pPr>
+            <a:r>
+              <a:rPr lang="en-US" sz="1600">
+                <a:latin typeface="Leelawadee UI" panose="020B0502040204020203" pitchFamily="34" charset="-34"/>
+                <a:ea typeface="Microsoft JhengHei Light" panose="020B0304030504040204" pitchFamily="34" charset="-120"/>
+                <a:cs typeface="Leelawadee UI" panose="020B0502040204020203" pitchFamily="34" charset="-34"/>
+              </a:rPr>
+              <a:t>KEY B: </a:t>
+            </a:r>
+            <a:r>
+              <a:rPr lang="zh-CN" altLang="en-US" sz="1600">
+                <a:latin typeface="华文楷体" panose="02010600040101010101" pitchFamily="2" charset="-122"/>
+                <a:ea typeface="华文楷体" panose="02010600040101010101" pitchFamily="2" charset="-122"/>
+                <a:cs typeface="Leelawadee UI" panose="020B0502040204020203" pitchFamily="34" charset="-34"/>
+              </a:rPr>
+              <a:t>默认高电平，按压时输出为低</a:t>
+            </a:r>
+            <a:r>
+              <a:rPr lang="en-US" altLang="zh-CN" sz="1600">
+                <a:latin typeface="华文楷体" panose="02010600040101010101" pitchFamily="2" charset="-122"/>
+                <a:ea typeface="华文楷体" panose="02010600040101010101" pitchFamily="2" charset="-122"/>
+                <a:cs typeface="Leelawadee UI" panose="020B0502040204020203" pitchFamily="34" charset="-34"/>
+              </a:rPr>
+              <a:t> </a:t>
+            </a:r>
+          </a:p>
+          <a:p>
+            <a:pPr>
+              <a:lnSpc>
+                <a:spcPts val="2500"/>
+              </a:lnSpc>
+            </a:pPr>
+            <a:r>
+              <a:rPr lang="en-US" sz="1600">
+                <a:latin typeface="Leelawadee UI" panose="020B0502040204020203" pitchFamily="34" charset="-34"/>
+                <a:ea typeface="Microsoft JhengHei Light" panose="020B0304030504040204" pitchFamily="34" charset="-120"/>
+                <a:cs typeface="Leelawadee UI" panose="020B0502040204020203" pitchFamily="34" charset="-34"/>
+              </a:rPr>
+              <a:t>KEY C: </a:t>
+            </a:r>
+            <a:r>
+              <a:rPr lang="zh-CN" altLang="en-US" sz="1600">
+                <a:latin typeface="华文楷体" panose="02010600040101010101" pitchFamily="2" charset="-122"/>
+                <a:ea typeface="华文楷体" panose="02010600040101010101" pitchFamily="2" charset="-122"/>
+                <a:cs typeface="Leelawadee UI" panose="020B0502040204020203" pitchFamily="34" charset="-34"/>
+              </a:rPr>
+              <a:t>默认高电平，按压时输出为低</a:t>
+            </a:r>
+            <a:r>
+              <a:rPr lang="en-US" altLang="zh-CN" sz="1600">
+                <a:latin typeface="华文楷体" panose="02010600040101010101" pitchFamily="2" charset="-122"/>
+                <a:ea typeface="华文楷体" panose="02010600040101010101" pitchFamily="2" charset="-122"/>
+                <a:cs typeface="Leelawadee UI" panose="020B0502040204020203" pitchFamily="34" charset="-34"/>
+              </a:rPr>
+              <a:t> </a:t>
+            </a:r>
+            <a:endParaRPr lang="en-US" sz="1600">
+              <a:latin typeface="华文楷体" panose="02010600040101010101" pitchFamily="2" charset="-122"/>
+              <a:ea typeface="华文楷体" panose="02010600040101010101" pitchFamily="2" charset="-122"/>
+              <a:cs typeface="Leelawadee UI" panose="020B0502040204020203" pitchFamily="34" charset="-34"/>
+            </a:endParaRPr>
+          </a:p>
+          <a:p>
+            <a:pPr>
+              <a:lnSpc>
+                <a:spcPts val="2500"/>
+              </a:lnSpc>
+            </a:pPr>
+            <a:r>
+              <a:rPr lang="en-US" sz="1600">
+                <a:latin typeface="Leelawadee UI" panose="020B0502040204020203" pitchFamily="34" charset="-34"/>
+                <a:ea typeface="Microsoft JhengHei Light" panose="020B0304030504040204" pitchFamily="34" charset="-120"/>
+                <a:cs typeface="Leelawadee UI" panose="020B0502040204020203" pitchFamily="34" charset="-34"/>
+              </a:rPr>
+              <a:t>KEY D: </a:t>
+            </a:r>
+            <a:r>
+              <a:rPr lang="zh-CN" altLang="en-US" sz="1600">
+                <a:latin typeface="华文楷体" panose="02010600040101010101" pitchFamily="2" charset="-122"/>
+                <a:ea typeface="华文楷体" panose="02010600040101010101" pitchFamily="2" charset="-122"/>
+                <a:cs typeface="Leelawadee UI" panose="020B0502040204020203" pitchFamily="34" charset="-34"/>
+              </a:rPr>
+              <a:t>默认高电平，按压时输出为低</a:t>
+            </a:r>
+            <a:r>
+              <a:rPr lang="en-US" altLang="zh-CN" sz="1600">
+                <a:latin typeface="华文楷体" panose="02010600040101010101" pitchFamily="2" charset="-122"/>
+                <a:ea typeface="华文楷体" panose="02010600040101010101" pitchFamily="2" charset="-122"/>
+                <a:cs typeface="Leelawadee UI" panose="020B0502040204020203" pitchFamily="34" charset="-34"/>
+              </a:rPr>
+              <a:t> </a:t>
+            </a:r>
+          </a:p>
+          <a:p>
+            <a:pPr>
+              <a:lnSpc>
+                <a:spcPts val="2500"/>
+              </a:lnSpc>
+            </a:pPr>
+            <a:r>
+              <a:rPr lang="en-US" sz="1600">
+                <a:latin typeface="Leelawadee UI" panose="020B0502040204020203" pitchFamily="34" charset="-34"/>
+                <a:ea typeface="Microsoft JhengHei Light" panose="020B0304030504040204" pitchFamily="34" charset="-120"/>
+                <a:cs typeface="Leelawadee UI" panose="020B0502040204020203" pitchFamily="34" charset="-34"/>
+              </a:rPr>
+              <a:t>KEY E: </a:t>
+            </a:r>
+            <a:r>
+              <a:rPr lang="zh-CN" altLang="en-US" sz="1600">
+                <a:latin typeface="华文楷体" panose="02010600040101010101" pitchFamily="2" charset="-122"/>
+                <a:ea typeface="华文楷体" panose="02010600040101010101" pitchFamily="2" charset="-122"/>
+                <a:cs typeface="Leelawadee UI" panose="020B0502040204020203" pitchFamily="34" charset="-34"/>
+              </a:rPr>
+              <a:t>默认高电平，按压时输出为低</a:t>
+            </a:r>
+            <a:r>
+              <a:rPr lang="en-US" altLang="zh-CN" sz="1600">
+                <a:latin typeface="华文楷体" panose="02010600040101010101" pitchFamily="2" charset="-122"/>
+                <a:ea typeface="华文楷体" panose="02010600040101010101" pitchFamily="2" charset="-122"/>
+                <a:cs typeface="Leelawadee UI" panose="020B0502040204020203" pitchFamily="34" charset="-34"/>
+              </a:rPr>
+              <a:t> </a:t>
+            </a:r>
+          </a:p>
+          <a:p>
+            <a:pPr>
+              <a:lnSpc>
+                <a:spcPts val="2500"/>
+              </a:lnSpc>
+            </a:pPr>
+            <a:r>
+              <a:rPr lang="en-US" sz="1600">
+                <a:latin typeface="Leelawadee UI" panose="020B0502040204020203" pitchFamily="34" charset="-34"/>
+                <a:ea typeface="Microsoft JhengHei Light" panose="020B0304030504040204" pitchFamily="34" charset="-120"/>
+                <a:cs typeface="Leelawadee UI" panose="020B0502040204020203" pitchFamily="34" charset="-34"/>
+              </a:rPr>
+              <a:t>Interrupt: </a:t>
+            </a:r>
+            <a:r>
+              <a:rPr lang="zh-CN" altLang="en-US" sz="1600">
+                <a:latin typeface="华文楷体" panose="02010600040101010101" pitchFamily="2" charset="-122"/>
+                <a:ea typeface="华文楷体" panose="02010600040101010101" pitchFamily="2" charset="-122"/>
+                <a:cs typeface="Leelawadee UI" panose="020B0502040204020203" pitchFamily="34" charset="-34"/>
+              </a:rPr>
+              <a:t>为自定义使用提供终端引脚</a:t>
+            </a:r>
+            <a:endParaRPr lang="en-US" sz="1200">
+              <a:latin typeface="华文楷体" panose="02010600040101010101" pitchFamily="2" charset="-122"/>
+              <a:ea typeface="华文楷体" panose="02010600040101010101" pitchFamily="2" charset="-122"/>
+              <a:cs typeface="Times New Roman" panose="02020603050405020304" pitchFamily="18" charset="0"/>
+            </a:endParaRPr>
+          </a:p>
+          <a:p>
+            <a:endParaRPr lang="en-US"/>
+          </a:p>
+        </p:txBody>
+      </p:sp>
+      <p:pic>
+        <p:nvPicPr>
+          <p:cNvPr id="46" name="图片 45">
+            <a:extLst>
+              <a:ext uri="{FF2B5EF4-FFF2-40B4-BE49-F238E27FC236}">
+                <a16:creationId xmlns:a16="http://schemas.microsoft.com/office/drawing/2014/main" id="{37C78738-BF12-4FDC-9392-CA5EC786E856}"/>
+              </a:ext>
+            </a:extLst>
+          </p:cNvPr>
+          <p:cNvPicPr>
+            <a:picLocks noChangeAspect="1"/>
+          </p:cNvPicPr>
+          <p:nvPr/>
+        </p:nvPicPr>
+        <p:blipFill>
+          <a:blip r:embed="rId12">
+            <a:extLst>
+              <a:ext uri="{28A0092B-C50C-407E-A947-70E740481C1C}">
+                <a14:useLocalDpi xmlns:a14="http://schemas.microsoft.com/office/drawing/2010/main" val="0"/>
+              </a:ext>
+            </a:extLst>
+          </a:blip>
+          <a:stretch>
+            <a:fillRect/>
+          </a:stretch>
+        </p:blipFill>
+        <p:spPr>
+          <a:xfrm>
+            <a:off x="4250090" y="3811618"/>
+            <a:ext cx="472059" cy="472059"/>
+          </a:xfrm>
+          <a:prstGeom prst="rect">
+            <a:avLst/>
+          </a:prstGeom>
+        </p:spPr>
+      </p:pic>
+      <p:sp>
+        <p:nvSpPr>
+          <p:cNvPr id="47" name="椭圆 46">
+            <a:extLst>
+              <a:ext uri="{FF2B5EF4-FFF2-40B4-BE49-F238E27FC236}">
+                <a16:creationId xmlns:a16="http://schemas.microsoft.com/office/drawing/2014/main" id="{38001646-9A1B-4396-9EED-B73ECF9C99E8}"/>
+              </a:ext>
+            </a:extLst>
+          </p:cNvPr>
+          <p:cNvSpPr>
+            <a:spLocks noChangeAspect="1"/>
+          </p:cNvSpPr>
+          <p:nvPr/>
+        </p:nvSpPr>
+        <p:spPr>
+          <a:xfrm>
+            <a:off x="4437562" y="3528923"/>
+            <a:ext cx="103124" cy="103124"/>
+          </a:xfrm>
+          <a:prstGeom prst="ellipse">
+            <a:avLst/>
+          </a:prstGeom>
+          <a:solidFill>
+            <a:srgbClr val="FFC000"/>
+          </a:solidFill>
+          <a:ln>
+            <a:solidFill>
+              <a:srgbClr val="FFC000"/>
+            </a:solidFill>
+          </a:ln>
+        </p:spPr>
+        <p:style>
+          <a:lnRef idx="2">
+            <a:schemeClr val="accent1">
+              <a:shade val="50000"/>
+            </a:schemeClr>
+          </a:lnRef>
+          <a:fillRef idx="1">
+            <a:schemeClr val="accent1"/>
+          </a:fillRef>
+          <a:effectRef idx="0">
+            <a:schemeClr val="accent1"/>
+          </a:effectRef>
+          <a:fontRef idx="minor">
+            <a:schemeClr val="lt1"/>
+          </a:fontRef>
+        </p:style>
+        <p:txBody>
+          <a:bodyPr rtlCol="0" anchor="ctr"/>
+          <a:lstStyle/>
+          <a:p>
+            <a:pPr algn="ctr"/>
+            <a:endParaRPr lang="en-US"/>
+          </a:p>
+        </p:txBody>
+      </p:sp>
+      <p:cxnSp>
+        <p:nvCxnSpPr>
+          <p:cNvPr id="53" name="直接连接符 52">
+            <a:extLst>
+              <a:ext uri="{FF2B5EF4-FFF2-40B4-BE49-F238E27FC236}">
+                <a16:creationId xmlns:a16="http://schemas.microsoft.com/office/drawing/2014/main" id="{59165120-30D8-4C07-981E-6FE141D091A8}"/>
+              </a:ext>
+            </a:extLst>
+          </p:cNvPr>
+          <p:cNvCxnSpPr>
+            <a:cxnSpLocks/>
+            <a:stCxn id="47" idx="4"/>
+          </p:cNvCxnSpPr>
+          <p:nvPr/>
+        </p:nvCxnSpPr>
+        <p:spPr>
+          <a:xfrm flipH="1">
+            <a:off x="4486120" y="3632047"/>
+            <a:ext cx="3004" cy="192681"/>
+          </a:xfrm>
+          <a:prstGeom prst="line">
+            <a:avLst/>
+          </a:prstGeom>
+          <a:ln w="9525" cap="flat" cmpd="sng" algn="ctr">
+            <a:solidFill>
+              <a:schemeClr val="accent3"/>
+            </a:solidFill>
+            <a:prstDash val="dash"/>
+            <a:round/>
+            <a:headEnd type="none" w="med" len="med"/>
+            <a:tailEnd type="none" w="med" len="med"/>
+          </a:ln>
+        </p:spPr>
+        <p:style>
+          <a:lnRef idx="0">
+            <a:scrgbClr r="0" g="0" b="0"/>
+          </a:lnRef>
+          <a:fillRef idx="0">
+            <a:scrgbClr r="0" g="0" b="0"/>
+          </a:fillRef>
+          <a:effectRef idx="0">
+            <a:scrgbClr r="0" g="0" b="0"/>
+          </a:effectRef>
+          <a:fontRef idx="minor">
+            <a:schemeClr val="tx1"/>
+          </a:fontRef>
+        </p:style>
+      </p:cxnSp>
+      <p:pic>
+        <p:nvPicPr>
+          <p:cNvPr id="55" name="图片 54">
+            <a:extLst>
+              <a:ext uri="{FF2B5EF4-FFF2-40B4-BE49-F238E27FC236}">
+                <a16:creationId xmlns:a16="http://schemas.microsoft.com/office/drawing/2014/main" id="{9CAA5BE9-77D5-4382-974E-04B238C9823F}"/>
+              </a:ext>
+            </a:extLst>
+          </p:cNvPr>
+          <p:cNvPicPr>
+            <a:picLocks noChangeAspect="1"/>
+          </p:cNvPicPr>
+          <p:nvPr/>
+        </p:nvPicPr>
+        <p:blipFill>
+          <a:blip r:embed="rId12">
+            <a:extLst>
+              <a:ext uri="{28A0092B-C50C-407E-A947-70E740481C1C}">
+                <a14:useLocalDpi xmlns:a14="http://schemas.microsoft.com/office/drawing/2010/main" val="0"/>
+              </a:ext>
+            </a:extLst>
+          </a:blip>
+          <a:stretch>
+            <a:fillRect/>
+          </a:stretch>
+        </p:blipFill>
+        <p:spPr>
+          <a:xfrm>
+            <a:off x="6140215" y="6203521"/>
+            <a:ext cx="265176" cy="265176"/>
+          </a:xfrm>
+          <a:prstGeom prst="rect">
+            <a:avLst/>
+          </a:prstGeom>
+        </p:spPr>
+      </p:pic>
+    </p:spTree>
+    <p:extLst>
+      <p:ext uri="{BB962C8B-B14F-4D97-AF65-F5344CB8AC3E}">
+        <p14:creationId xmlns:p14="http://schemas.microsoft.com/office/powerpoint/2010/main" val="3943262617"/>
+      </p:ext>
+    </p:extLst>
+  </p:cSld>
+  <p:clrMapOvr>
+    <a:masterClrMapping/>
+  </p:clrMapOvr>
+</p:sld>
+</file>
+
+<file path=ppt/slides/slide4.xml><?xml version="1.0" encoding="utf-8"?>
+<p:sld xmlns:a="http://schemas.openxmlformats.org/drawingml/2006/main" xmlns:r="http://schemas.openxmlformats.org/officeDocument/2006/relationships" xmlns:p="http://schemas.openxmlformats.org/presentationml/2006/main">
+  <p:cSld>
+    <p:spTree>
+      <p:nvGrpSpPr>
+        <p:cNvPr id="1" name=""/>
+        <p:cNvGrpSpPr/>
+        <p:nvPr/>
+      </p:nvGrpSpPr>
+      <p:grpSpPr>
+        <a:xfrm>
+          <a:off x="0" y="0"/>
+          <a:ext cx="0" cy="0"/>
+          <a:chOff x="0" y="0"/>
+          <a:chExt cx="0" cy="0"/>
+        </a:xfrm>
+      </p:grpSpPr>
+      <p:pic>
+        <p:nvPicPr>
+          <p:cNvPr id="4" name="图片 3">
+            <a:extLst>
+              <a:ext uri="{FF2B5EF4-FFF2-40B4-BE49-F238E27FC236}">
+                <a16:creationId xmlns:a16="http://schemas.microsoft.com/office/drawing/2014/main" id="{60B08047-5316-46EE-A59C-D6E747BCD4B0}"/>
+              </a:ext>
+            </a:extLst>
+          </p:cNvPr>
+          <p:cNvPicPr>
+            <a:picLocks noChangeAspect="1"/>
+          </p:cNvPicPr>
+          <p:nvPr/>
+        </p:nvPicPr>
+        <p:blipFill>
+          <a:blip r:embed="rId2">
+            <a:extLst>
+              <a:ext uri="{28A0092B-C50C-407E-A947-70E740481C1C}">
+                <a14:useLocalDpi xmlns:a14="http://schemas.microsoft.com/office/drawing/2010/main" val="0"/>
+              </a:ext>
+            </a:extLst>
+          </a:blip>
+          <a:stretch>
+            <a:fillRect/>
+          </a:stretch>
+        </p:blipFill>
+        <p:spPr>
+          <a:xfrm rot="5400000">
+            <a:off x="-99431" y="1148006"/>
+            <a:ext cx="5334000" cy="4000500"/>
+          </a:xfrm>
+          <a:prstGeom prst="rect">
+            <a:avLst/>
+          </a:prstGeom>
+        </p:spPr>
+      </p:pic>
+      <p:cxnSp>
+        <p:nvCxnSpPr>
+          <p:cNvPr id="9" name="直接连接符 8">
+            <a:extLst>
+              <a:ext uri="{FF2B5EF4-FFF2-40B4-BE49-F238E27FC236}">
+                <a16:creationId xmlns:a16="http://schemas.microsoft.com/office/drawing/2014/main" id="{E50FDFEA-C91C-4CBB-8B1A-1E2155BC3C6E}"/>
+              </a:ext>
+            </a:extLst>
+          </p:cNvPr>
+          <p:cNvCxnSpPr>
+            <a:cxnSpLocks/>
+            <a:endCxn id="11" idx="1"/>
+          </p:cNvCxnSpPr>
+          <p:nvPr/>
+        </p:nvCxnSpPr>
+        <p:spPr>
+          <a:xfrm flipV="1">
+            <a:off x="3417897" y="2121543"/>
+            <a:ext cx="1011974" cy="416261"/>
+          </a:xfrm>
+          <a:prstGeom prst="line">
+            <a:avLst/>
+          </a:prstGeom>
+          <a:ln w="9525" cap="flat" cmpd="sng" algn="ctr">
+            <a:solidFill>
+              <a:schemeClr val="accent3"/>
+            </a:solidFill>
+            <a:prstDash val="dash"/>
+            <a:round/>
+            <a:headEnd type="none" w="med" len="med"/>
+            <a:tailEnd type="none" w="med" len="med"/>
+          </a:ln>
+        </p:spPr>
+        <p:style>
+          <a:lnRef idx="0">
+            <a:scrgbClr r="0" g="0" b="0"/>
+          </a:lnRef>
+          <a:fillRef idx="0">
+            <a:scrgbClr r="0" g="0" b="0"/>
+          </a:fillRef>
+          <a:effectRef idx="0">
+            <a:scrgbClr r="0" g="0" b="0"/>
+          </a:effectRef>
+          <a:fontRef idx="minor">
+            <a:schemeClr val="tx1"/>
+          </a:fontRef>
+        </p:style>
+      </p:cxnSp>
+      <p:cxnSp>
+        <p:nvCxnSpPr>
+          <p:cNvPr id="12" name="直接连接符 11">
+            <a:extLst>
+              <a:ext uri="{FF2B5EF4-FFF2-40B4-BE49-F238E27FC236}">
+                <a16:creationId xmlns:a16="http://schemas.microsoft.com/office/drawing/2014/main" id="{93F5C06D-A311-41BC-9EFE-BBEDA2D820B8}"/>
+              </a:ext>
+            </a:extLst>
+          </p:cNvPr>
+          <p:cNvCxnSpPr>
+            <a:cxnSpLocks/>
+            <a:endCxn id="39" idx="1"/>
+          </p:cNvCxnSpPr>
+          <p:nvPr/>
+        </p:nvCxnSpPr>
+        <p:spPr>
+          <a:xfrm>
+            <a:off x="3417897" y="3837762"/>
+            <a:ext cx="1011974" cy="474935"/>
+          </a:xfrm>
+          <a:prstGeom prst="line">
+            <a:avLst/>
+          </a:prstGeom>
+          <a:ln w="9525" cap="flat" cmpd="sng" algn="ctr">
+            <a:solidFill>
+              <a:schemeClr val="accent3"/>
+            </a:solidFill>
+            <a:prstDash val="dash"/>
+            <a:round/>
+            <a:headEnd type="none" w="med" len="med"/>
+            <a:tailEnd type="none" w="med" len="med"/>
+          </a:ln>
+        </p:spPr>
+        <p:style>
+          <a:lnRef idx="0">
+            <a:scrgbClr r="0" g="0" b="0"/>
+          </a:lnRef>
+          <a:fillRef idx="0">
+            <a:scrgbClr r="0" g="0" b="0"/>
+          </a:fillRef>
+          <a:effectRef idx="0">
+            <a:scrgbClr r="0" g="0" b="0"/>
+          </a:effectRef>
+          <a:fontRef idx="minor">
+            <a:schemeClr val="tx1"/>
+          </a:fontRef>
+        </p:style>
+      </p:cxnSp>
+      <p:sp>
+        <p:nvSpPr>
+          <p:cNvPr id="11" name="矩形 10">
+            <a:extLst>
+              <a:ext uri="{FF2B5EF4-FFF2-40B4-BE49-F238E27FC236}">
+                <a16:creationId xmlns:a16="http://schemas.microsoft.com/office/drawing/2014/main" id="{E7DEEE3A-B241-4860-AE77-59AD803ED9F6}"/>
+              </a:ext>
+            </a:extLst>
+          </p:cNvPr>
+          <p:cNvSpPr/>
+          <p:nvPr/>
+        </p:nvSpPr>
+        <p:spPr>
+          <a:xfrm>
+            <a:off x="4429871" y="1909662"/>
+            <a:ext cx="466236" cy="423761"/>
+          </a:xfrm>
+          <a:prstGeom prst="rect">
+            <a:avLst/>
+          </a:prstGeom>
+          <a:solidFill>
+            <a:schemeClr val="bg2">
+              <a:lumMod val="50000"/>
+            </a:schemeClr>
+          </a:solidFill>
+          <a:ln>
+            <a:solidFill>
+              <a:schemeClr val="bg2">
+                <a:lumMod val="50000"/>
+              </a:schemeClr>
+            </a:solidFill>
+          </a:ln>
+        </p:spPr>
+        <p:style>
+          <a:lnRef idx="2">
+            <a:schemeClr val="accent1">
+              <a:shade val="50000"/>
+            </a:schemeClr>
+          </a:lnRef>
+          <a:fillRef idx="1">
+            <a:schemeClr val="accent1"/>
+          </a:fillRef>
+          <a:effectRef idx="0">
+            <a:schemeClr val="accent1"/>
+          </a:effectRef>
+          <a:fontRef idx="minor">
+            <a:schemeClr val="lt1"/>
+          </a:fontRef>
+        </p:style>
+        <p:txBody>
+          <a:bodyPr rtlCol="0" anchor="ctr"/>
+          <a:lstStyle/>
+          <a:p>
+            <a:pPr algn="ctr"/>
+            <a:endParaRPr lang="en-US"/>
+          </a:p>
+        </p:txBody>
+      </p:sp>
+      <p:sp>
+        <p:nvSpPr>
+          <p:cNvPr id="36" name="矩形 35">
+            <a:extLst>
+              <a:ext uri="{FF2B5EF4-FFF2-40B4-BE49-F238E27FC236}">
+                <a16:creationId xmlns:a16="http://schemas.microsoft.com/office/drawing/2014/main" id="{A96F62E8-5406-4873-816E-F09EC10BE688}"/>
+              </a:ext>
+            </a:extLst>
+          </p:cNvPr>
+          <p:cNvSpPr/>
+          <p:nvPr/>
+        </p:nvSpPr>
+        <p:spPr>
+          <a:xfrm>
+            <a:off x="4429871" y="2457451"/>
+            <a:ext cx="466236" cy="423761"/>
+          </a:xfrm>
+          <a:prstGeom prst="rect">
+            <a:avLst/>
+          </a:prstGeom>
+          <a:solidFill>
+            <a:schemeClr val="bg2">
+              <a:lumMod val="50000"/>
+            </a:schemeClr>
+          </a:solidFill>
+          <a:ln>
+            <a:solidFill>
+              <a:schemeClr val="bg2">
+                <a:lumMod val="50000"/>
+              </a:schemeClr>
+            </a:solidFill>
+          </a:ln>
+        </p:spPr>
+        <p:style>
+          <a:lnRef idx="2">
+            <a:schemeClr val="accent1">
+              <a:shade val="50000"/>
+            </a:schemeClr>
+          </a:lnRef>
+          <a:fillRef idx="1">
+            <a:schemeClr val="accent1"/>
+          </a:fillRef>
+          <a:effectRef idx="0">
+            <a:schemeClr val="accent1"/>
+          </a:effectRef>
+          <a:fontRef idx="minor">
+            <a:schemeClr val="lt1"/>
+          </a:fontRef>
+        </p:style>
+        <p:txBody>
+          <a:bodyPr rtlCol="0" anchor="ctr"/>
+          <a:lstStyle/>
+          <a:p>
+            <a:pPr algn="ctr"/>
+            <a:endParaRPr lang="en-US"/>
+          </a:p>
+        </p:txBody>
+      </p:sp>
+      <p:sp>
+        <p:nvSpPr>
+          <p:cNvPr id="37" name="矩形 36">
+            <a:extLst>
+              <a:ext uri="{FF2B5EF4-FFF2-40B4-BE49-F238E27FC236}">
+                <a16:creationId xmlns:a16="http://schemas.microsoft.com/office/drawing/2014/main" id="{619560A3-083F-41D7-A991-168D2F531566}"/>
+              </a:ext>
+            </a:extLst>
+          </p:cNvPr>
+          <p:cNvSpPr/>
+          <p:nvPr/>
+        </p:nvSpPr>
+        <p:spPr>
+          <a:xfrm>
+            <a:off x="4429871" y="3005239"/>
+            <a:ext cx="466236" cy="423761"/>
+          </a:xfrm>
+          <a:prstGeom prst="rect">
+            <a:avLst/>
+          </a:prstGeom>
+          <a:solidFill>
+            <a:schemeClr val="bg2">
+              <a:lumMod val="50000"/>
+            </a:schemeClr>
+          </a:solidFill>
+          <a:ln>
+            <a:solidFill>
+              <a:schemeClr val="bg2">
+                <a:lumMod val="50000"/>
+              </a:schemeClr>
+            </a:solidFill>
+          </a:ln>
+        </p:spPr>
+        <p:style>
+          <a:lnRef idx="2">
+            <a:schemeClr val="accent1">
+              <a:shade val="50000"/>
+            </a:schemeClr>
+          </a:lnRef>
+          <a:fillRef idx="1">
+            <a:schemeClr val="accent1"/>
+          </a:fillRef>
+          <a:effectRef idx="0">
+            <a:schemeClr val="accent1"/>
+          </a:effectRef>
+          <a:fontRef idx="minor">
+            <a:schemeClr val="lt1"/>
+          </a:fontRef>
+        </p:style>
+        <p:txBody>
+          <a:bodyPr rtlCol="0" anchor="ctr"/>
+          <a:lstStyle/>
+          <a:p>
+            <a:pPr algn="ctr"/>
+            <a:endParaRPr lang="en-US"/>
+          </a:p>
+        </p:txBody>
+      </p:sp>
+      <p:sp>
+        <p:nvSpPr>
+          <p:cNvPr id="38" name="矩形 37">
+            <a:extLst>
+              <a:ext uri="{FF2B5EF4-FFF2-40B4-BE49-F238E27FC236}">
+                <a16:creationId xmlns:a16="http://schemas.microsoft.com/office/drawing/2014/main" id="{7263E8A4-AAFA-4DE8-AFFF-74FF843FBE3A}"/>
+              </a:ext>
+            </a:extLst>
+          </p:cNvPr>
+          <p:cNvSpPr/>
+          <p:nvPr/>
+        </p:nvSpPr>
+        <p:spPr>
+          <a:xfrm>
+            <a:off x="4429871" y="3553028"/>
+            <a:ext cx="466236" cy="423761"/>
+          </a:xfrm>
+          <a:prstGeom prst="rect">
+            <a:avLst/>
+          </a:prstGeom>
+          <a:solidFill>
+            <a:schemeClr val="bg2">
+              <a:lumMod val="50000"/>
+            </a:schemeClr>
+          </a:solidFill>
+          <a:ln>
+            <a:solidFill>
+              <a:schemeClr val="bg2">
+                <a:lumMod val="50000"/>
+              </a:schemeClr>
+            </a:solidFill>
+          </a:ln>
+        </p:spPr>
+        <p:style>
+          <a:lnRef idx="2">
+            <a:schemeClr val="accent1">
+              <a:shade val="50000"/>
+            </a:schemeClr>
+          </a:lnRef>
+          <a:fillRef idx="1">
+            <a:schemeClr val="accent1"/>
+          </a:fillRef>
+          <a:effectRef idx="0">
+            <a:schemeClr val="accent1"/>
+          </a:effectRef>
+          <a:fontRef idx="minor">
+            <a:schemeClr val="lt1"/>
+          </a:fontRef>
+        </p:style>
+        <p:txBody>
+          <a:bodyPr rtlCol="0" anchor="ctr"/>
+          <a:lstStyle/>
+          <a:p>
+            <a:pPr algn="ctr"/>
+            <a:endParaRPr lang="en-US"/>
+          </a:p>
+        </p:txBody>
+      </p:sp>
+      <p:sp>
+        <p:nvSpPr>
+          <p:cNvPr id="39" name="矩形 38">
+            <a:extLst>
+              <a:ext uri="{FF2B5EF4-FFF2-40B4-BE49-F238E27FC236}">
+                <a16:creationId xmlns:a16="http://schemas.microsoft.com/office/drawing/2014/main" id="{082D3BAF-EA16-49F8-A6D5-6DABF7C6E168}"/>
+              </a:ext>
+            </a:extLst>
+          </p:cNvPr>
+          <p:cNvSpPr/>
+          <p:nvPr/>
+        </p:nvSpPr>
+        <p:spPr>
+          <a:xfrm>
+            <a:off x="4429871" y="4100816"/>
+            <a:ext cx="466236" cy="423761"/>
+          </a:xfrm>
+          <a:prstGeom prst="rect">
+            <a:avLst/>
+          </a:prstGeom>
+          <a:solidFill>
+            <a:schemeClr val="bg2">
+              <a:lumMod val="50000"/>
+            </a:schemeClr>
+          </a:solidFill>
+          <a:ln>
+            <a:solidFill>
+              <a:schemeClr val="bg2">
+                <a:lumMod val="50000"/>
+              </a:schemeClr>
+            </a:solidFill>
+          </a:ln>
+        </p:spPr>
+        <p:style>
+          <a:lnRef idx="2">
+            <a:schemeClr val="accent1">
+              <a:shade val="50000"/>
+            </a:schemeClr>
+          </a:lnRef>
+          <a:fillRef idx="1">
+            <a:schemeClr val="accent1"/>
+          </a:fillRef>
+          <a:effectRef idx="0">
+            <a:schemeClr val="accent1"/>
+          </a:effectRef>
+          <a:fontRef idx="minor">
+            <a:schemeClr val="lt1"/>
+          </a:fontRef>
+        </p:style>
+        <p:txBody>
+          <a:bodyPr rtlCol="0" anchor="ctr"/>
+          <a:lstStyle/>
+          <a:p>
+            <a:pPr algn="ctr"/>
+            <a:endParaRPr lang="en-US"/>
+          </a:p>
+        </p:txBody>
+      </p:sp>
+      <p:sp>
+        <p:nvSpPr>
+          <p:cNvPr id="15" name="文本框 14">
+            <a:extLst>
+              <a:ext uri="{FF2B5EF4-FFF2-40B4-BE49-F238E27FC236}">
+                <a16:creationId xmlns:a16="http://schemas.microsoft.com/office/drawing/2014/main" id="{F863D4BA-88FE-4A76-9AD7-0D4299BFF731}"/>
+              </a:ext>
+            </a:extLst>
+          </p:cNvPr>
+          <p:cNvSpPr txBox="1"/>
+          <p:nvPr/>
+        </p:nvSpPr>
+        <p:spPr>
+          <a:xfrm>
+            <a:off x="4913861" y="1762909"/>
+            <a:ext cx="5540748" cy="2771271"/>
+          </a:xfrm>
+          <a:prstGeom prst="rect">
+            <a:avLst/>
+          </a:prstGeom>
+          <a:noFill/>
+        </p:spPr>
+        <p:txBody>
+          <a:bodyPr wrap="none" rtlCol="0">
+            <a:spAutoFit/>
+          </a:bodyPr>
+          <a:lstStyle/>
+          <a:p>
+            <a:pPr>
+              <a:lnSpc>
+                <a:spcPts val="4300"/>
+              </a:lnSpc>
+            </a:pPr>
+            <a:r>
+              <a:rPr lang="en-US"/>
+              <a:t>GND: </a:t>
+            </a:r>
+            <a:r>
+              <a:rPr lang="zh-CN" altLang="en-US">
+                <a:latin typeface="华文楷体" panose="02010600040101010101" pitchFamily="2" charset="-122"/>
+                <a:ea typeface="华文楷体" panose="02010600040101010101" pitchFamily="2" charset="-122"/>
+                <a:cs typeface="Leelawadee UI" panose="020B0502040204020203" pitchFamily="34" charset="-34"/>
+              </a:rPr>
+              <a:t>连接到系统 </a:t>
+            </a:r>
+            <a:r>
+              <a:rPr lang="en-US" altLang="zh-CN">
+                <a:latin typeface="Leelawadee UI" panose="020B0502040204020203" pitchFamily="34" charset="-34"/>
+                <a:ea typeface="Microsoft JhengHei Light" panose="020B0304030504040204" pitchFamily="34" charset="-120"/>
+                <a:cs typeface="Leelawadee UI" panose="020B0502040204020203" pitchFamily="34" charset="-34"/>
+              </a:rPr>
+              <a:t>GND</a:t>
+            </a:r>
+            <a:endParaRPr lang="en-US"/>
+          </a:p>
+          <a:p>
+            <a:pPr>
+              <a:lnSpc>
+                <a:spcPts val="4300"/>
+              </a:lnSpc>
+            </a:pPr>
+            <a:r>
+              <a:rPr lang="en-US"/>
+              <a:t>SDA: </a:t>
+            </a:r>
+            <a:r>
+              <a:rPr lang="en-US">
+                <a:latin typeface="Leelawadee UI" panose="020B0502040204020203" pitchFamily="34" charset="-34"/>
+                <a:ea typeface="Microsoft JhengHei Light" panose="020B0304030504040204" pitchFamily="34" charset="-120"/>
+                <a:cs typeface="Leelawadee UI" panose="020B0502040204020203" pitchFamily="34" charset="-34"/>
+              </a:rPr>
+              <a:t>I</a:t>
+            </a:r>
+            <a:r>
+              <a:rPr lang="en-US" baseline="30000">
+                <a:latin typeface="Leelawadee UI" panose="020B0502040204020203" pitchFamily="34" charset="-34"/>
+                <a:ea typeface="Microsoft JhengHei Light" panose="020B0304030504040204" pitchFamily="34" charset="-120"/>
+                <a:cs typeface="Leelawadee UI" panose="020B0502040204020203" pitchFamily="34" charset="-34"/>
+              </a:rPr>
+              <a:t>2</a:t>
+            </a:r>
+            <a:r>
+              <a:rPr lang="en-US">
+                <a:latin typeface="Leelawadee UI" panose="020B0502040204020203" pitchFamily="34" charset="-34"/>
+                <a:ea typeface="Microsoft JhengHei Light" panose="020B0304030504040204" pitchFamily="34" charset="-120"/>
+                <a:cs typeface="Leelawadee UI" panose="020B0502040204020203" pitchFamily="34" charset="-34"/>
+              </a:rPr>
+              <a:t>C </a:t>
+            </a:r>
+            <a:r>
+              <a:rPr lang="zh-CN" altLang="en-US">
+                <a:latin typeface="华文楷体" panose="02010600040101010101" pitchFamily="2" charset="-122"/>
+                <a:ea typeface="华文楷体" panose="02010600040101010101" pitchFamily="2" charset="-122"/>
+                <a:cs typeface="Leelawadee UI" panose="020B0502040204020203" pitchFamily="34" charset="-34"/>
+              </a:rPr>
+              <a:t>串行数据，烧写固件时起到 </a:t>
+            </a:r>
+            <a:r>
+              <a:rPr lang="en-US">
+                <a:latin typeface="Leelawadee UI" panose="020B0502040204020203" pitchFamily="34" charset="-34"/>
+                <a:ea typeface="Microsoft JhengHei Light" panose="020B0304030504040204" pitchFamily="34" charset="-120"/>
+                <a:cs typeface="Leelawadee UI" panose="020B0502040204020203" pitchFamily="34" charset="-34"/>
+              </a:rPr>
+              <a:t>UART_RX </a:t>
+            </a:r>
+            <a:r>
+              <a:rPr lang="zh-CN" altLang="en-US">
+                <a:latin typeface="华文楷体" panose="02010600040101010101" pitchFamily="2" charset="-122"/>
+                <a:ea typeface="华文楷体" panose="02010600040101010101" pitchFamily="2" charset="-122"/>
+                <a:cs typeface="Leelawadee UI" panose="020B0502040204020203" pitchFamily="34" charset="-34"/>
+              </a:rPr>
+              <a:t>的功能</a:t>
+            </a:r>
+            <a:endParaRPr lang="en-US">
+              <a:latin typeface="华文楷体" panose="02010600040101010101" pitchFamily="2" charset="-122"/>
+              <a:ea typeface="华文楷体" panose="02010600040101010101" pitchFamily="2" charset="-122"/>
+            </a:endParaRPr>
+          </a:p>
+          <a:p>
+            <a:pPr>
+              <a:lnSpc>
+                <a:spcPts val="4300"/>
+              </a:lnSpc>
+            </a:pPr>
+            <a:r>
+              <a:rPr lang="en-US"/>
+              <a:t>SCL: </a:t>
+            </a:r>
+            <a:r>
+              <a:rPr lang="en-US">
+                <a:latin typeface="Leelawadee UI" panose="020B0502040204020203" pitchFamily="34" charset="-34"/>
+                <a:ea typeface="Microsoft JhengHei Light" panose="020B0304030504040204" pitchFamily="34" charset="-120"/>
+                <a:cs typeface="Leelawadee UI" panose="020B0502040204020203" pitchFamily="34" charset="-34"/>
+              </a:rPr>
+              <a:t>I</a:t>
+            </a:r>
+            <a:r>
+              <a:rPr lang="en-US" baseline="30000">
+                <a:latin typeface="Leelawadee UI" panose="020B0502040204020203" pitchFamily="34" charset="-34"/>
+                <a:ea typeface="Microsoft JhengHei Light" panose="020B0304030504040204" pitchFamily="34" charset="-120"/>
+                <a:cs typeface="Leelawadee UI" panose="020B0502040204020203" pitchFamily="34" charset="-34"/>
+              </a:rPr>
+              <a:t>2</a:t>
+            </a:r>
+            <a:r>
+              <a:rPr lang="en-US">
+                <a:latin typeface="Leelawadee UI" panose="020B0502040204020203" pitchFamily="34" charset="-34"/>
+                <a:ea typeface="Microsoft JhengHei Light" panose="020B0304030504040204" pitchFamily="34" charset="-120"/>
+                <a:cs typeface="Leelawadee UI" panose="020B0502040204020203" pitchFamily="34" charset="-34"/>
+              </a:rPr>
+              <a:t>C </a:t>
+            </a:r>
+            <a:r>
+              <a:rPr lang="zh-CN" altLang="en-US">
+                <a:latin typeface="华文楷体" panose="02010600040101010101" pitchFamily="2" charset="-122"/>
+                <a:ea typeface="华文楷体" panose="02010600040101010101" pitchFamily="2" charset="-122"/>
+                <a:cs typeface="Leelawadee UI" panose="020B0502040204020203" pitchFamily="34" charset="-34"/>
+              </a:rPr>
+              <a:t>串行时钟，烧写固件时起到</a:t>
+            </a:r>
+            <a:r>
+              <a:rPr lang="en-US" altLang="zh-CN">
+                <a:latin typeface="华文楷体" panose="02010600040101010101" pitchFamily="2" charset="-122"/>
+                <a:ea typeface="华文楷体" panose="02010600040101010101" pitchFamily="2" charset="-122"/>
+                <a:cs typeface="Leelawadee UI" panose="020B0502040204020203" pitchFamily="34" charset="-34"/>
+              </a:rPr>
+              <a:t> </a:t>
+            </a:r>
+            <a:r>
+              <a:rPr lang="en-US">
+                <a:latin typeface="Leelawadee UI" panose="020B0502040204020203" pitchFamily="34" charset="-34"/>
+                <a:ea typeface="Microsoft JhengHei Light" panose="020B0304030504040204" pitchFamily="34" charset="-120"/>
+                <a:cs typeface="Leelawadee UI" panose="020B0502040204020203" pitchFamily="34" charset="-34"/>
+              </a:rPr>
+              <a:t>UART_TX </a:t>
+            </a:r>
+            <a:r>
+              <a:rPr lang="zh-CN" altLang="en-US">
+                <a:latin typeface="华文楷体" panose="02010600040101010101" pitchFamily="2" charset="-122"/>
+                <a:ea typeface="华文楷体" panose="02010600040101010101" pitchFamily="2" charset="-122"/>
+                <a:cs typeface="Leelawadee UI" panose="020B0502040204020203" pitchFamily="34" charset="-34"/>
+              </a:rPr>
+              <a:t>的功能</a:t>
+            </a:r>
+            <a:endParaRPr lang="en-US">
+              <a:latin typeface="华文楷体" panose="02010600040101010101" pitchFamily="2" charset="-122"/>
+              <a:ea typeface="华文楷体" panose="02010600040101010101" pitchFamily="2" charset="-122"/>
+            </a:endParaRPr>
+          </a:p>
+          <a:p>
+            <a:pPr>
+              <a:lnSpc>
+                <a:spcPts val="4300"/>
+              </a:lnSpc>
+            </a:pPr>
+            <a:r>
+              <a:rPr lang="en-US"/>
+              <a:t>VCC: </a:t>
+            </a:r>
+            <a:r>
+              <a:rPr lang="zh-CN" altLang="en-US">
+                <a:latin typeface="华文楷体" panose="02010600040101010101" pitchFamily="2" charset="-122"/>
+                <a:ea typeface="华文楷体" panose="02010600040101010101" pitchFamily="2" charset="-122"/>
+              </a:rPr>
+              <a:t>烧写固件时 </a:t>
+            </a:r>
+            <a:r>
+              <a:rPr lang="en-US" altLang="zh-CN"/>
+              <a:t>VCC </a:t>
+            </a:r>
+            <a:r>
+              <a:rPr lang="zh-CN" altLang="en-US">
+                <a:latin typeface="华文楷体" panose="02010600040101010101" pitchFamily="2" charset="-122"/>
+                <a:ea typeface="华文楷体" panose="02010600040101010101" pitchFamily="2" charset="-122"/>
+              </a:rPr>
+              <a:t>应为</a:t>
+            </a:r>
+            <a:r>
+              <a:rPr lang="en-US" altLang="zh-CN"/>
+              <a:t>3.3V</a:t>
+            </a:r>
+            <a:endParaRPr lang="en-US"/>
+          </a:p>
+          <a:p>
+            <a:pPr>
+              <a:lnSpc>
+                <a:spcPts val="4300"/>
+              </a:lnSpc>
+            </a:pPr>
+            <a:r>
+              <a:rPr lang="en-US"/>
+              <a:t>BOOT: </a:t>
+            </a:r>
+            <a:r>
+              <a:rPr lang="zh-CN" altLang="en-US">
+                <a:latin typeface="华文楷体" panose="02010600040101010101" pitchFamily="2" charset="-122"/>
+                <a:ea typeface="华文楷体" panose="02010600040101010101" pitchFamily="2" charset="-122"/>
+              </a:rPr>
+              <a:t>当使用 </a:t>
+            </a:r>
+            <a:r>
+              <a:rPr lang="en-US"/>
+              <a:t>UART </a:t>
+            </a:r>
+            <a:r>
+              <a:rPr lang="zh-CN" altLang="en-US">
+                <a:latin typeface="华文楷体" panose="02010600040101010101" pitchFamily="2" charset="-122"/>
+                <a:ea typeface="华文楷体" panose="02010600040101010101" pitchFamily="2" charset="-122"/>
+              </a:rPr>
+              <a:t>模式烧写固件时，需被置高电平</a:t>
+            </a:r>
+            <a:endParaRPr lang="en-US">
+              <a:latin typeface="华文楷体" panose="02010600040101010101" pitchFamily="2" charset="-122"/>
+              <a:ea typeface="华文楷体" panose="02010600040101010101" pitchFamily="2" charset="-122"/>
+            </a:endParaRPr>
+          </a:p>
+        </p:txBody>
+      </p:sp>
+    </p:spTree>
+    <p:extLst>
+      <p:ext uri="{BB962C8B-B14F-4D97-AF65-F5344CB8AC3E}">
+        <p14:creationId xmlns:p14="http://schemas.microsoft.com/office/powerpoint/2010/main" val="1366610284"/>
       </p:ext>
     </p:extLst>
   </p:cSld>
